--- a/doc/frontend/wireframe/TRN-MiniBlog_WireframeDesign_DongLe.pptx
+++ b/doc/frontend/wireframe/TRN-MiniBlog_WireframeDesign_DongLe.pptx
@@ -218,7 +218,7 @@
           </a:lstStyle>
           <a:p>
             <a:fld id="{0B14D75D-3A88-044C-B530-B9A2A8B351DB}" type="datetimeFigureOut">
-              <a:t>2/12/15</a:t>
+              <a:t>3/5/15</a:t>
             </a:fld>
             <a:endParaRPr kumimoji="1" lang="ja-JP" altLang="en-US"/>
           </a:p>
@@ -675,7 +675,7 @@
                 <a:ea typeface="ＭＳ Ｐゴシック"/>
               </a:rPr>
               <a:pPr/>
-              <a:t>2/12/15</a:t>
+              <a:t>3/5/15</a:t>
             </a:fld>
             <a:endParaRPr lang="ja-JP" altLang="en-US">
               <a:solidFill>
@@ -919,7 +919,7 @@
                 <a:ea typeface="ＭＳ Ｐゴシック"/>
               </a:rPr>
               <a:pPr/>
-              <a:t>2/12/15</a:t>
+              <a:t>3/5/15</a:t>
             </a:fld>
             <a:endParaRPr lang="ja-JP" altLang="en-US">
               <a:solidFill>
@@ -1173,7 +1173,7 @@
                 <a:ea typeface="ＭＳ Ｐゴシック"/>
               </a:rPr>
               <a:pPr/>
-              <a:t>2/12/15</a:t>
+              <a:t>3/5/15</a:t>
             </a:fld>
             <a:endParaRPr lang="ja-JP" altLang="en-US">
               <a:solidFill>
@@ -1310,7 +1310,7 @@
                 <a:ea typeface="ＭＳ Ｐゴシック"/>
               </a:rPr>
               <a:pPr/>
-              <a:t>2/12/15</a:t>
+              <a:t>3/5/15</a:t>
             </a:fld>
             <a:endParaRPr lang="ja-JP" altLang="en-US">
               <a:solidFill>
@@ -1981,7 +1981,7 @@
                 <a:ea typeface="ＭＳ Ｐゴシック"/>
               </a:rPr>
               <a:pPr/>
-              <a:t>2/12/15</a:t>
+              <a:t>3/5/15</a:t>
             </a:fld>
             <a:endParaRPr lang="ja-JP" altLang="en-US">
               <a:solidFill>
@@ -2652,7 +2652,7 @@
                 <a:ea typeface="ＭＳ Ｐゴシック"/>
               </a:rPr>
               <a:pPr/>
-              <a:t>2/12/15</a:t>
+              <a:t>3/5/15</a:t>
             </a:fld>
             <a:endParaRPr lang="ja-JP" altLang="en-US">
               <a:solidFill>
@@ -3430,7 +3430,7 @@
                 <a:ea typeface="ＭＳ Ｐゴシック"/>
               </a:rPr>
               <a:pPr/>
-              <a:t>2/12/15</a:t>
+              <a:t>3/5/15</a:t>
             </a:fld>
             <a:endParaRPr lang="ja-JP" altLang="en-US">
               <a:solidFill>
@@ -3968,7 +3968,7 @@
                 <a:ea typeface="ＭＳ Ｐゴシック"/>
               </a:rPr>
               <a:pPr/>
-              <a:t>2/12/15</a:t>
+              <a:t>3/5/15</a:t>
             </a:fld>
             <a:endParaRPr lang="ja-JP" altLang="en-US">
               <a:solidFill>
@@ -4362,7 +4362,7 @@
                 <a:ea typeface="ＭＳ Ｐゴシック"/>
               </a:rPr>
               <a:pPr/>
-              <a:t>2/12/15</a:t>
+              <a:t>3/5/15</a:t>
             </a:fld>
             <a:endParaRPr lang="ja-JP" altLang="en-US">
               <a:solidFill>
@@ -5253,7 +5253,7 @@
                 <a:ea typeface="ＭＳ Ｐゴシック"/>
               </a:rPr>
               <a:pPr/>
-              <a:t>2/12/15</a:t>
+              <a:t>3/5/15</a:t>
             </a:fld>
             <a:endParaRPr lang="ja-JP" altLang="en-US">
               <a:solidFill>
@@ -5413,7 +5413,7 @@
                 <a:ea typeface="ＭＳ Ｐゴシック"/>
               </a:rPr>
               <a:pPr/>
-              <a:t>2/12/15</a:t>
+              <a:t>3/5/15</a:t>
             </a:fld>
             <a:endParaRPr lang="ja-JP" altLang="en-US">
               <a:solidFill>
@@ -5550,7 +5550,7 @@
                 <a:ea typeface="ＭＳ Ｐゴシック"/>
               </a:rPr>
               <a:pPr/>
-              <a:t>2/12/15</a:t>
+              <a:t>3/5/15</a:t>
             </a:fld>
             <a:endParaRPr lang="ja-JP" altLang="en-US">
               <a:solidFill>
@@ -5901,7 +5901,7 @@
                 <a:ea typeface="ＭＳ Ｐゴシック"/>
               </a:rPr>
               <a:pPr/>
-              <a:t>2/12/15</a:t>
+              <a:t>3/5/15</a:t>
             </a:fld>
             <a:endParaRPr lang="ja-JP" altLang="en-US">
               <a:solidFill>
@@ -6196,7 +6196,7 @@
                 <a:ea typeface="ＭＳ Ｐゴシック"/>
               </a:rPr>
               <a:pPr/>
-              <a:t>2/12/15</a:t>
+              <a:t>3/5/15</a:t>
             </a:fld>
             <a:endParaRPr lang="ja-JP" altLang="en-US">
               <a:solidFill>
@@ -6483,7 +6483,7 @@
                 <a:ea typeface="ＭＳ Ｐゴシック"/>
               </a:rPr>
               <a:pPr/>
-              <a:t>2/12/15</a:t>
+              <a:t>3/5/15</a:t>
             </a:fld>
             <a:endParaRPr kumimoji="1" lang="ja-JP" altLang="en-US">
               <a:solidFill>
@@ -7861,11 +7861,7 @@
                     <a:p>
                       <a:r>
                         <a:rPr kumimoji="1" lang="en-US" altLang="ja-JP" sz="1000" dirty="0" smtClean="0"/>
-                        <a:t>Input </a:t>
-                      </a:r>
-                      <a:r>
-                        <a:rPr kumimoji="1" lang="en-US" altLang="ja-JP" sz="1000" dirty="0" smtClean="0"/>
-                        <a:t>title</a:t>
+                        <a:t>Input title</a:t>
                       </a:r>
                       <a:endParaRPr kumimoji="1" lang="ja-JP" altLang="en-US" sz="1000" dirty="0"/>
                     </a:p>
@@ -7932,11 +7928,7 @@
                     <a:p>
                       <a:r>
                         <a:rPr kumimoji="1" lang="en-US" altLang="ja-JP" sz="1000" dirty="0" smtClean="0"/>
-                        <a:t>Input </a:t>
-                      </a:r>
-                      <a:r>
-                        <a:rPr kumimoji="1" lang="en-US" altLang="ja-JP" sz="1000" dirty="0" smtClean="0"/>
-                        <a:t>content</a:t>
+                        <a:t>Input content</a:t>
                       </a:r>
                       <a:endParaRPr kumimoji="1" lang="ja-JP" altLang="en-US" sz="1000" dirty="0"/>
                     </a:p>
@@ -9193,15 +9185,7 @@
             </a:r>
             <a:r>
               <a:rPr kumimoji="1" lang="en-US" altLang="ja-JP" sz="1050" dirty="0" smtClean="0"/>
-              <a:t>/</a:t>
-            </a:r>
-            <a:r>
-              <a:rPr kumimoji="1" lang="en-US" altLang="ja-JP" sz="1050" dirty="0" smtClean="0"/>
-              <a:t>account</a:t>
-            </a:r>
-            <a:r>
-              <a:rPr kumimoji="1" lang="en-US" altLang="ja-JP" sz="1050" dirty="0" smtClean="0"/>
-              <a:t>/search</a:t>
+              <a:t>/account/search</a:t>
             </a:r>
             <a:endParaRPr kumimoji="1" lang="ja-JP" altLang="en-US" sz="1050" dirty="0"/>
           </a:p>
@@ -9216,14 +9200,14 @@
           <p:nvPr>
             <p:extLst>
               <p:ext uri="{D42A27DB-BD31-4B8C-83A1-F6EECF244321}">
-                <p14:modId xmlns:p14="http://schemas.microsoft.com/office/powerpoint/2010/main" val="1123842090"/>
+                <p14:modId xmlns:p14="http://schemas.microsoft.com/office/powerpoint/2010/main" val="2640699361"/>
               </p:ext>
             </p:extLst>
           </p:nvPr>
         </p:nvGraphicFramePr>
         <p:xfrm>
           <a:off x="5130799" y="869583"/>
-          <a:ext cx="3945470" cy="3151212"/>
+          <a:ext cx="3945470" cy="2754972"/>
         </p:xfrm>
         <a:graphic>
           <a:graphicData uri="http://schemas.openxmlformats.org/drawingml/2006/table">
@@ -9632,7 +9616,7 @@
                     <a:p>
                       <a:r>
                         <a:rPr kumimoji="1" lang="en-US" altLang="ja-JP" sz="1000" dirty="0" smtClean="0"/>
-                        <a:t>Create Posts</a:t>
+                        <a:t>Result Search</a:t>
                       </a:r>
                       <a:endParaRPr kumimoji="1" lang="ja-JP" altLang="en-US" sz="1000" dirty="0"/>
                     </a:p>
@@ -9645,6 +9629,70 @@
                     <a:lstStyle/>
                     <a:p>
                       <a:endParaRPr kumimoji="1" lang="ja-JP" altLang="en-US" sz="1000"/>
+                    </a:p>
+                  </a:txBody>
+                  <a:tcPr/>
+                </a:tc>
+                <a:tc>
+                  <a:txBody>
+                    <a:bodyPr/>
+                    <a:lstStyle/>
+                    <a:p>
+                      <a:endParaRPr kumimoji="1" lang="ja-JP" altLang="en-US" sz="1000" dirty="0"/>
+                    </a:p>
+                  </a:txBody>
+                  <a:tcPr/>
+                </a:tc>
+                <a:tc>
+                  <a:txBody>
+                    <a:bodyPr/>
+                    <a:lstStyle/>
+                    <a:p>
+                      <a:endParaRPr kumimoji="1" lang="ja-JP" altLang="en-US" sz="1000" dirty="0"/>
+                    </a:p>
+                  </a:txBody>
+                  <a:tcPr/>
+                </a:tc>
+              </a:tr>
+              <a:tr h="327082">
+                <a:tc>
+                  <a:txBody>
+                    <a:bodyPr/>
+                    <a:lstStyle/>
+                    <a:p>
+                      <a:r>
+                        <a:rPr kumimoji="1" lang="en-US" altLang="ja-JP" sz="1000" dirty="0" smtClean="0"/>
+                        <a:t>6</a:t>
+                      </a:r>
+                      <a:endParaRPr kumimoji="1" lang="ja-JP" altLang="en-US" sz="1000" dirty="0"/>
+                    </a:p>
+                  </a:txBody>
+                  <a:tcPr/>
+                </a:tc>
+                <a:tc>
+                  <a:txBody>
+                    <a:bodyPr/>
+                    <a:lstStyle/>
+                    <a:p>
+                      <a:r>
+                        <a:rPr kumimoji="1" lang="en-US" altLang="ja-JP" sz="1000" dirty="0" smtClean="0"/>
+                        <a:t>Button</a:t>
+                      </a:r>
+                      <a:r>
+                        <a:rPr kumimoji="1" lang="en-US" altLang="ja-JP" sz="1000" baseline="0" dirty="0" smtClean="0"/>
+                        <a:t> Show All Posts</a:t>
+                      </a:r>
+                      <a:endParaRPr kumimoji="1" lang="ja-JP" altLang="en-US" sz="1000" dirty="0"/>
+                    </a:p>
+                  </a:txBody>
+                  <a:tcPr/>
+                </a:tc>
+                <a:tc>
+                  <a:txBody>
+                    <a:bodyPr/>
+                    <a:lstStyle/>
+                    <a:p>
+                      <a:endParaRPr kumimoji="1" lang="ja-JP" altLang="en-US" sz="1000" dirty="0"/>
                     </a:p>
                   </a:txBody>
                   <a:tcPr/>
@@ -9672,41 +9720,32 @@
                         <a:defRPr/>
                       </a:pPr>
                       <a:r>
-                        <a:rPr kumimoji="1" lang="en-US" altLang="ja-JP" sz="1000" dirty="0"/>
-                        <a:t>Click =&gt; </a:t>
-                      </a:r>
-                      <a:r>
                         <a:rPr kumimoji="1" lang="en-US" altLang="ja-JP" sz="1000" dirty="0" smtClean="0"/>
-                        <a:t>page create post</a:t>
+                        <a:t>Click</a:t>
+                      </a:r>
+                      <a:r>
+                        <a:rPr kumimoji="1" lang="en-US" altLang="ja-JP" sz="1000" baseline="0" dirty="0" smtClean="0"/>
+                        <a:t> =&gt; page show all posts of user</a:t>
+                      </a:r>
+                      <a:endParaRPr kumimoji="1" lang="ja-JP" altLang="en-US" sz="1000" dirty="0" smtClean="0"/>
+                    </a:p>
+                  </a:txBody>
+                  <a:tcPr/>
+                </a:tc>
+                <a:tc>
+                  <a:txBody>
+                    <a:bodyPr/>
+                    <a:lstStyle/>
+                    <a:p>
+                      <a:r>
+                        <a:rPr kumimoji="1" lang="en-US" altLang="ja-JP" sz="1000" dirty="0" smtClean="0"/>
+                        <a:t>S</a:t>
+                      </a:r>
+                      <a:r>
+                        <a:rPr kumimoji="1" lang="en-US" altLang="ja-JP" sz="1000" dirty="0" smtClean="0"/>
+                        <a:t>-5-2</a:t>
                       </a:r>
                       <a:endParaRPr kumimoji="1" lang="ja-JP" altLang="en-US" sz="1000" dirty="0"/>
-                    </a:p>
-                  </a:txBody>
-                  <a:tcPr/>
-                </a:tc>
-                <a:tc>
-                  <a:txBody>
-                    <a:bodyPr/>
-                    <a:lstStyle/>
-                    <a:p>
-                      <a:r>
-                        <a:rPr kumimoji="1" lang="vi-VN" altLang="ja-JP" sz="1000" dirty="0">
-                          <a:latin typeface="Calibri"/>
-                          <a:cs typeface="Calibri"/>
-                        </a:rPr>
-                        <a:t>S</a:t>
-                      </a:r>
-                      <a:r>
-                        <a:rPr kumimoji="1" lang="vi-VN" altLang="ja-JP" sz="1000" dirty="0" smtClean="0">
-                          <a:latin typeface="Calibri"/>
-                          <a:cs typeface="Calibri"/>
-                        </a:rPr>
-                        <a:t>-3-9</a:t>
-                      </a:r>
-                      <a:endParaRPr kumimoji="1" lang="ja-JP" altLang="en-US" sz="1000" dirty="0">
-                        <a:latin typeface="Calibri"/>
-                        <a:cs typeface="Calibri"/>
-                      </a:endParaRPr>
                     </a:p>
                   </a:txBody>
                   <a:tcPr/>
@@ -9720,162 +9759,7 @@
                     <a:p>
                       <a:r>
                         <a:rPr kumimoji="1" lang="en-US" altLang="ja-JP" sz="1000" dirty="0" smtClean="0"/>
-                        <a:t>6</a:t>
-                      </a:r>
-                      <a:endParaRPr kumimoji="1" lang="ja-JP" altLang="en-US" sz="1000" dirty="0"/>
-                    </a:p>
-                  </a:txBody>
-                  <a:tcPr/>
-                </a:tc>
-                <a:tc>
-                  <a:txBody>
-                    <a:bodyPr/>
-                    <a:lstStyle/>
-                    <a:p>
-                      <a:r>
-                        <a:rPr kumimoji="1" lang="en-US" altLang="ja-JP" sz="1000" dirty="0" smtClean="0"/>
-                        <a:t>Search Posts</a:t>
-                      </a:r>
-                      <a:endParaRPr kumimoji="1" lang="ja-JP" altLang="en-US" sz="1000" dirty="0"/>
-                    </a:p>
-                  </a:txBody>
-                  <a:tcPr/>
-                </a:tc>
-                <a:tc>
-                  <a:txBody>
-                    <a:bodyPr/>
-                    <a:lstStyle/>
-                    <a:p>
-                      <a:endParaRPr kumimoji="1" lang="ja-JP" altLang="en-US" sz="1000"/>
-                    </a:p>
-                  </a:txBody>
-                  <a:tcPr/>
-                </a:tc>
-                <a:tc>
-                  <a:txBody>
-                    <a:bodyPr/>
-                    <a:lstStyle/>
-                    <a:p>
-                      <a:pPr marL="0" marR="0" indent="0" algn="l" defTabSz="457200" rtl="0" eaLnBrk="1" fontAlgn="auto" latinLnBrk="0" hangingPunct="1">
-                        <a:lnSpc>
-                          <a:spcPct val="100000"/>
-                        </a:lnSpc>
-                        <a:spcBef>
-                          <a:spcPts val="0"/>
-                        </a:spcBef>
-                        <a:spcAft>
-                          <a:spcPts val="0"/>
-                        </a:spcAft>
-                        <a:buClrTx/>
-                        <a:buSzTx/>
-                        <a:buFontTx/>
-                        <a:buNone/>
-                        <a:tabLst/>
-                        <a:defRPr/>
-                      </a:pPr>
-                      <a:r>
-                        <a:rPr kumimoji="1" lang="en-US" altLang="ja-JP" sz="1000" dirty="0" smtClean="0">
-                          <a:latin typeface="Calibri" panose="020F0502020204030204" pitchFamily="34" charset="0"/>
-                        </a:rPr>
-                        <a:t>Click=&gt; search</a:t>
-                      </a:r>
-                      <a:r>
-                        <a:rPr kumimoji="1" lang="en-US" altLang="ja-JP" sz="1000" baseline="0" dirty="0" smtClean="0">
-                          <a:latin typeface="Calibri" panose="020F0502020204030204" pitchFamily="34" charset="0"/>
-                        </a:rPr>
-                        <a:t> posts by content</a:t>
-                      </a:r>
-                      <a:endParaRPr kumimoji="1" lang="ja-JP" altLang="en-US" sz="1000" dirty="0">
-                        <a:latin typeface="Calibri" panose="020F0502020204030204" pitchFamily="34" charset="0"/>
-                      </a:endParaRPr>
-                    </a:p>
-                  </a:txBody>
-                  <a:tcPr/>
-                </a:tc>
-                <a:tc>
-                  <a:txBody>
-                    <a:bodyPr/>
-                    <a:lstStyle/>
-                    <a:p>
-                      <a:r>
-                        <a:rPr kumimoji="1" lang="en-US" altLang="ja-JP" sz="1000" dirty="0" smtClean="0"/>
-                        <a:t>S-3-10</a:t>
-                      </a:r>
-                      <a:endParaRPr kumimoji="1" lang="ja-JP" altLang="en-US" sz="1000" dirty="0"/>
-                    </a:p>
-                  </a:txBody>
-                  <a:tcPr/>
-                </a:tc>
-              </a:tr>
-              <a:tr h="327082">
-                <a:tc>
-                  <a:txBody>
-                    <a:bodyPr/>
-                    <a:lstStyle/>
-                    <a:p>
-                      <a:r>
-                        <a:rPr kumimoji="1" lang="en-US" altLang="ja-JP" sz="1000" dirty="0" smtClean="0"/>
                         <a:t>7</a:t>
-                      </a:r>
-                      <a:endParaRPr kumimoji="1" lang="ja-JP" altLang="en-US" sz="1000" dirty="0"/>
-                    </a:p>
-                  </a:txBody>
-                  <a:tcPr/>
-                </a:tc>
-                <a:tc>
-                  <a:txBody>
-                    <a:bodyPr/>
-                    <a:lstStyle/>
-                    <a:p>
-                      <a:r>
-                        <a:rPr kumimoji="1" lang="en-US" altLang="ja-JP" sz="1000" dirty="0" smtClean="0"/>
-                        <a:t>Result Search</a:t>
-                      </a:r>
-                      <a:endParaRPr kumimoji="1" lang="ja-JP" altLang="en-US" sz="1000" dirty="0"/>
-                    </a:p>
-                  </a:txBody>
-                  <a:tcPr/>
-                </a:tc>
-                <a:tc>
-                  <a:txBody>
-                    <a:bodyPr/>
-                    <a:lstStyle/>
-                    <a:p>
-                      <a:endParaRPr kumimoji="1" lang="ja-JP" altLang="en-US" sz="1000"/>
-                    </a:p>
-                  </a:txBody>
-                  <a:tcPr/>
-                </a:tc>
-                <a:tc>
-                  <a:txBody>
-                    <a:bodyPr/>
-                    <a:lstStyle/>
-                    <a:p>
-                      <a:endParaRPr kumimoji="1" lang="ja-JP" altLang="en-US" sz="1000" dirty="0"/>
-                    </a:p>
-                  </a:txBody>
-                  <a:tcPr/>
-                </a:tc>
-                <a:tc>
-                  <a:txBody>
-                    <a:bodyPr/>
-                    <a:lstStyle/>
-                    <a:p>
-                      <a:endParaRPr kumimoji="1" lang="ja-JP" altLang="en-US" sz="1000" dirty="0"/>
-                    </a:p>
-                  </a:txBody>
-                  <a:tcPr/>
-                </a:tc>
-              </a:tr>
-              <a:tr h="327082">
-                <a:tc>
-                  <a:txBody>
-                    <a:bodyPr/>
-                    <a:lstStyle/>
-                    <a:p>
-                      <a:r>
-                        <a:rPr kumimoji="1" lang="en-US" altLang="ja-JP" sz="1000" dirty="0" smtClean="0"/>
-                        <a:t>8</a:t>
                       </a:r>
                       <a:endParaRPr kumimoji="1" lang="ja-JP" altLang="en-US" sz="1000" dirty="0"/>
                     </a:p>
@@ -10035,7 +9919,7 @@
                   <a:srgbClr val="FF0000"/>
                 </a:solidFill>
               </a:rPr>
-              <a:t>(8)</a:t>
+              <a:t>(7)</a:t>
             </a:r>
             <a:endParaRPr kumimoji="1" lang="ja-JP" altLang="en-US" sz="1000" dirty="0">
               <a:solidFill>
@@ -10207,97 +10091,59 @@
       </p:sp>
       <p:sp>
         <p:nvSpPr>
-          <p:cNvPr id="46" name="Rectangle 45"/>
-          <p:cNvSpPr/>
-          <p:nvPr/>
-        </p:nvSpPr>
-        <p:spPr>
-          <a:xfrm>
-            <a:off x="4144495" y="1977231"/>
-            <a:ext cx="558800" cy="209383"/>
-          </a:xfrm>
-          <a:prstGeom prst="rect">
-            <a:avLst/>
-          </a:prstGeom>
-        </p:spPr>
-        <p:style>
-          <a:lnRef idx="1">
-            <a:schemeClr val="accent1"/>
-          </a:lnRef>
-          <a:fillRef idx="3">
-            <a:schemeClr val="accent1"/>
-          </a:fillRef>
-          <a:effectRef idx="2">
-            <a:schemeClr val="accent1"/>
-          </a:effectRef>
-          <a:fontRef idx="minor">
-            <a:schemeClr val="lt1"/>
-          </a:fontRef>
-        </p:style>
-        <p:txBody>
-          <a:bodyPr rtlCol="0" anchor="ctr"/>
-          <a:lstStyle/>
-          <a:p>
-            <a:pPr algn="ctr"/>
-            <a:r>
-              <a:rPr kumimoji="1" lang="en-US" altLang="ja-JP" sz="1000" dirty="0"/>
-              <a:t>Search</a:t>
-            </a:r>
-            <a:endParaRPr kumimoji="1" lang="ja-JP" altLang="en-US" sz="1000" dirty="0"/>
-          </a:p>
-        </p:txBody>
-      </p:sp>
-      <p:sp>
-        <p:nvSpPr>
-          <p:cNvPr id="49" name="Rectangle 48"/>
-          <p:cNvSpPr/>
-          <p:nvPr/>
-        </p:nvSpPr>
-        <p:spPr>
-          <a:xfrm>
-            <a:off x="759716" y="1964272"/>
-            <a:ext cx="1058923" cy="222342"/>
-          </a:xfrm>
-          <a:prstGeom prst="rect">
-            <a:avLst/>
-          </a:prstGeom>
-        </p:spPr>
-        <p:style>
-          <a:lnRef idx="1">
-            <a:schemeClr val="accent1"/>
-          </a:lnRef>
-          <a:fillRef idx="3">
-            <a:schemeClr val="accent1"/>
-          </a:fillRef>
-          <a:effectRef idx="2">
-            <a:schemeClr val="accent1"/>
-          </a:effectRef>
-          <a:fontRef idx="minor">
-            <a:schemeClr val="lt1"/>
-          </a:fontRef>
-        </p:style>
-        <p:txBody>
-          <a:bodyPr rtlCol="0" anchor="ctr"/>
-          <a:lstStyle/>
-          <a:p>
-            <a:pPr algn="ctr"/>
-            <a:r>
-              <a:rPr kumimoji="1" lang="en-US" altLang="ja-JP" sz="1000" dirty="0" smtClean="0"/>
-              <a:t>Create Posts</a:t>
-            </a:r>
-            <a:endParaRPr kumimoji="1" lang="ja-JP" altLang="en-US" sz="1000" dirty="0"/>
-          </a:p>
-        </p:txBody>
-      </p:sp>
-      <p:sp>
-        <p:nvSpPr>
-          <p:cNvPr id="53" name="TextBox 52"/>
+          <p:cNvPr id="67" name="TextBox 66"/>
           <p:cNvSpPr txBox="1"/>
           <p:nvPr/>
         </p:nvSpPr>
         <p:spPr>
           <a:xfrm>
-            <a:off x="4231571" y="2222941"/>
+            <a:off x="1026563" y="2540865"/>
+            <a:ext cx="1310237" cy="307777"/>
+          </a:xfrm>
+          <a:prstGeom prst="rect">
+            <a:avLst/>
+          </a:prstGeom>
+          <a:noFill/>
+        </p:spPr>
+        <p:txBody>
+          <a:bodyPr wrap="square" rtlCol="0">
+            <a:spAutoFit/>
+          </a:bodyPr>
+          <a:lstStyle/>
+          <a:p>
+            <a:r>
+              <a:rPr kumimoji="1" lang="en-US" altLang="ja-JP" sz="1400" b="1" dirty="0" err="1">
+                <a:solidFill>
+                  <a:srgbClr val="3366FF"/>
+                </a:solidFill>
+              </a:rPr>
+              <a:t>l</a:t>
+            </a:r>
+            <a:r>
+              <a:rPr kumimoji="1" lang="en-US" altLang="ja-JP" sz="1400" b="1" dirty="0" err="1" smtClean="0">
+                <a:solidFill>
+                  <a:srgbClr val="3366FF"/>
+                </a:solidFill>
+              </a:rPr>
+              <a:t>e.dong</a:t>
+            </a:r>
+            <a:endParaRPr kumimoji="1" lang="ja-JP" altLang="en-US" sz="1400" b="1" dirty="0">
+              <a:solidFill>
+                <a:srgbClr val="3366FF"/>
+              </a:solidFill>
+            </a:endParaRPr>
+          </a:p>
+        </p:txBody>
+      </p:sp>
+      <p:sp>
+        <p:nvSpPr>
+          <p:cNvPr id="76" name="TextBox 75"/>
+          <p:cNvSpPr txBox="1"/>
+          <p:nvPr/>
+        </p:nvSpPr>
+        <p:spPr>
+          <a:xfrm>
+            <a:off x="4375862" y="3249101"/>
             <a:ext cx="327433" cy="246221"/>
           </a:xfrm>
           <a:prstGeom prst="rect">
@@ -10317,7 +10163,7 @@
                   <a:srgbClr val="FF0000"/>
                 </a:solidFill>
               </a:rPr>
-              <a:t>(6)</a:t>
+              <a:t>(5)</a:t>
             </a:r>
             <a:endParaRPr kumimoji="1" lang="ja-JP" altLang="en-US" sz="1000" dirty="0">
               <a:solidFill>
@@ -10329,111 +10175,14 @@
       </p:sp>
       <p:sp>
         <p:nvSpPr>
-          <p:cNvPr id="57" name="TextBox 56"/>
+          <p:cNvPr id="77" name="TextBox 76"/>
           <p:cNvSpPr txBox="1"/>
           <p:nvPr/>
         </p:nvSpPr>
         <p:spPr>
           <a:xfrm>
-            <a:off x="281661" y="1964272"/>
-            <a:ext cx="327433" cy="246221"/>
-          </a:xfrm>
-          <a:prstGeom prst="rect">
-            <a:avLst/>
-          </a:prstGeom>
-          <a:noFill/>
-        </p:spPr>
-        <p:txBody>
-          <a:bodyPr wrap="none" rtlCol="0">
-            <a:spAutoFit/>
-          </a:bodyPr>
-          <a:lstStyle/>
-          <a:p>
-            <a:r>
-              <a:rPr kumimoji="1" lang="en-US" altLang="ja-JP" sz="1000" dirty="0" smtClean="0">
-                <a:solidFill>
-                  <a:srgbClr val="FF0000"/>
-                </a:solidFill>
-              </a:rPr>
-              <a:t>(5)</a:t>
-            </a:r>
-            <a:endParaRPr kumimoji="1" lang="ja-JP" altLang="en-US" sz="1000" dirty="0">
-              <a:solidFill>
-                <a:srgbClr val="FF0000"/>
-              </a:solidFill>
-            </a:endParaRPr>
-          </a:p>
-        </p:txBody>
-      </p:sp>
-      <p:sp>
-        <p:nvSpPr>
-          <p:cNvPr id="61" name="Rectangle 60"/>
-          <p:cNvSpPr/>
-          <p:nvPr/>
-        </p:nvSpPr>
-        <p:spPr>
-          <a:xfrm>
-            <a:off x="2041716" y="1977231"/>
-            <a:ext cx="1871134" cy="192975"/>
-          </a:xfrm>
-          <a:prstGeom prst="rect">
-            <a:avLst/>
-          </a:prstGeom>
-          <a:ln>
-            <a:solidFill>
-              <a:srgbClr val="4F81BD"/>
-            </a:solidFill>
-          </a:ln>
-          <a:effectLst/>
-        </p:spPr>
-        <p:style>
-          <a:lnRef idx="1">
-            <a:schemeClr val="accent1"/>
-          </a:lnRef>
-          <a:fillRef idx="3">
-            <a:schemeClr val="accent1"/>
-          </a:fillRef>
-          <a:effectRef idx="2">
-            <a:schemeClr val="accent1"/>
-          </a:effectRef>
-          <a:fontRef idx="minor">
-            <a:schemeClr val="lt1"/>
-          </a:fontRef>
-        </p:style>
-        <p:txBody>
-          <a:bodyPr rtlCol="0" anchor="ctr"/>
-          <a:lstStyle/>
-          <a:p>
-            <a:r>
-              <a:rPr kumimoji="1" lang="en-US" altLang="ja-JP" sz="800" i="1" dirty="0" smtClean="0">
-                <a:solidFill>
-                  <a:schemeClr val="bg1">
-                    <a:lumMod val="75000"/>
-                  </a:schemeClr>
-                </a:solidFill>
-              </a:rPr>
-              <a:t>content</a:t>
-            </a:r>
-            <a:endParaRPr kumimoji="1" lang="ja-JP" altLang="en-US" sz="800" i="1" dirty="0">
-              <a:solidFill>
-                <a:schemeClr val="bg1">
-                  <a:lumMod val="75000"/>
-                </a:schemeClr>
-              </a:solidFill>
-            </a:endParaRPr>
-          </a:p>
-        </p:txBody>
-      </p:sp>
-      <p:sp>
-        <p:nvSpPr>
-          <p:cNvPr id="67" name="TextBox 66"/>
-          <p:cNvSpPr txBox="1"/>
-          <p:nvPr/>
-        </p:nvSpPr>
-        <p:spPr>
-          <a:xfrm>
-            <a:off x="1026563" y="2540865"/>
-            <a:ext cx="1310237" cy="307777"/>
+            <a:off x="1178963" y="2798707"/>
+            <a:ext cx="1706477" cy="261610"/>
           </a:xfrm>
           <a:prstGeom prst="rect">
             <a:avLst/>
@@ -10447,20 +10196,88 @@
           <a:lstStyle/>
           <a:p>
             <a:r>
-              <a:rPr kumimoji="1" lang="en-US" altLang="ja-JP" sz="1400" b="1" dirty="0" err="1">
+              <a:rPr kumimoji="1" lang="en-US" altLang="ja-JP" sz="1100" i="1" dirty="0" err="1" smtClean="0">
+                <a:solidFill>
+                  <a:srgbClr val="000000"/>
+                </a:solidFill>
+              </a:rPr>
+              <a:t>Firstname:le</a:t>
+            </a:r>
+            <a:endParaRPr kumimoji="1" lang="ja-JP" altLang="en-US" sz="1100" i="1" dirty="0">
+              <a:solidFill>
+                <a:srgbClr val="000000"/>
+              </a:solidFill>
+            </a:endParaRPr>
+          </a:p>
+        </p:txBody>
+      </p:sp>
+      <p:sp>
+        <p:nvSpPr>
+          <p:cNvPr id="78" name="TextBox 77"/>
+          <p:cNvSpPr txBox="1"/>
+          <p:nvPr/>
+        </p:nvSpPr>
+        <p:spPr>
+          <a:xfrm>
+            <a:off x="2850735" y="2798707"/>
+            <a:ext cx="1310237" cy="261610"/>
+          </a:xfrm>
+          <a:prstGeom prst="rect">
+            <a:avLst/>
+          </a:prstGeom>
+          <a:noFill/>
+        </p:spPr>
+        <p:txBody>
+          <a:bodyPr wrap="square" rtlCol="0">
+            <a:spAutoFit/>
+          </a:bodyPr>
+          <a:lstStyle/>
+          <a:p>
+            <a:r>
+              <a:rPr kumimoji="1" lang="en-US" altLang="ja-JP" sz="1100" i="1" dirty="0" err="1" smtClean="0">
+                <a:solidFill>
+                  <a:srgbClr val="000000"/>
+                </a:solidFill>
+              </a:rPr>
+              <a:t>Lastname:dong</a:t>
+            </a:r>
+            <a:endParaRPr kumimoji="1" lang="ja-JP" altLang="en-US" sz="1100" i="1" dirty="0">
+              <a:solidFill>
+                <a:srgbClr val="000000"/>
+              </a:solidFill>
+            </a:endParaRPr>
+          </a:p>
+        </p:txBody>
+      </p:sp>
+      <p:sp>
+        <p:nvSpPr>
+          <p:cNvPr id="79" name="TextBox 78"/>
+          <p:cNvSpPr txBox="1"/>
+          <p:nvPr/>
+        </p:nvSpPr>
+        <p:spPr>
+          <a:xfrm>
+            <a:off x="1098489" y="3249101"/>
+            <a:ext cx="1310237" cy="307777"/>
+          </a:xfrm>
+          <a:prstGeom prst="rect">
+            <a:avLst/>
+          </a:prstGeom>
+          <a:noFill/>
+        </p:spPr>
+        <p:txBody>
+          <a:bodyPr wrap="square" rtlCol="0">
+            <a:spAutoFit/>
+          </a:bodyPr>
+          <a:lstStyle/>
+          <a:p>
+            <a:r>
+              <a:rPr kumimoji="1" lang="en-US" altLang="ja-JP" sz="1400" b="1" dirty="0" smtClean="0">
                 <a:solidFill>
                   <a:srgbClr val="3366FF"/>
                 </a:solidFill>
               </a:rPr>
-              <a:t>l</a:t>
-            </a:r>
-            <a:r>
-              <a:rPr kumimoji="1" lang="en-US" altLang="ja-JP" sz="1400" b="1" dirty="0" err="1" smtClean="0">
-                <a:solidFill>
-                  <a:srgbClr val="3366FF"/>
-                </a:solidFill>
-              </a:rPr>
-              <a:t>e.dong</a:t>
+              <a:t>admin</a:t>
             </a:r>
             <a:endParaRPr kumimoji="1" lang="ja-JP" altLang="en-US" sz="1400" b="1" dirty="0">
               <a:solidFill>
@@ -10472,51 +10289,13 @@
       </p:sp>
       <p:sp>
         <p:nvSpPr>
-          <p:cNvPr id="76" name="TextBox 75"/>
+          <p:cNvPr id="80" name="TextBox 79"/>
           <p:cNvSpPr txBox="1"/>
           <p:nvPr/>
         </p:nvSpPr>
         <p:spPr>
           <a:xfrm>
-            <a:off x="4375862" y="3249101"/>
-            <a:ext cx="327433" cy="246221"/>
-          </a:xfrm>
-          <a:prstGeom prst="rect">
-            <a:avLst/>
-          </a:prstGeom>
-          <a:noFill/>
-        </p:spPr>
-        <p:txBody>
-          <a:bodyPr wrap="none" rtlCol="0">
-            <a:spAutoFit/>
-          </a:bodyPr>
-          <a:lstStyle/>
-          <a:p>
-            <a:r>
-              <a:rPr kumimoji="1" lang="en-US" altLang="ja-JP" sz="1000" dirty="0" smtClean="0">
-                <a:solidFill>
-                  <a:srgbClr val="FF0000"/>
-                </a:solidFill>
-              </a:rPr>
-              <a:t>(7)</a:t>
-            </a:r>
-            <a:endParaRPr kumimoji="1" lang="ja-JP" altLang="en-US" sz="1000" dirty="0">
-              <a:solidFill>
-                <a:srgbClr val="FF0000"/>
-              </a:solidFill>
-            </a:endParaRPr>
-          </a:p>
-        </p:txBody>
-      </p:sp>
-      <p:sp>
-        <p:nvSpPr>
-          <p:cNvPr id="77" name="TextBox 76"/>
-          <p:cNvSpPr txBox="1"/>
-          <p:nvPr/>
-        </p:nvSpPr>
-        <p:spPr>
-          <a:xfrm>
-            <a:off x="1178963" y="2798707"/>
+            <a:off x="1270806" y="3506943"/>
             <a:ext cx="1706477" cy="261610"/>
           </a:xfrm>
           <a:prstGeom prst="rect">
@@ -10536,15 +10315,7 @@
                   <a:srgbClr val="000000"/>
                 </a:solidFill>
               </a:rPr>
-              <a:t>Firstname:l</a:t>
-            </a:r>
-            <a:r>
-              <a:rPr kumimoji="1" lang="en-US" altLang="ja-JP" sz="1100" i="1" dirty="0" err="1" smtClean="0">
-                <a:solidFill>
-                  <a:srgbClr val="000000"/>
-                </a:solidFill>
-              </a:rPr>
-              <a:t>e</a:t>
+              <a:t>Firstname:le</a:t>
             </a:r>
             <a:endParaRPr kumimoji="1" lang="ja-JP" altLang="en-US" sz="1100" i="1" dirty="0">
               <a:solidFill>
@@ -10556,13 +10327,13 @@
       </p:sp>
       <p:sp>
         <p:nvSpPr>
-          <p:cNvPr id="78" name="TextBox 77"/>
+          <p:cNvPr id="81" name="TextBox 80"/>
           <p:cNvSpPr txBox="1"/>
           <p:nvPr/>
         </p:nvSpPr>
         <p:spPr>
           <a:xfrm>
-            <a:off x="2850735" y="2798707"/>
+            <a:off x="2942578" y="3506943"/>
             <a:ext cx="1310237" cy="261610"/>
           </a:xfrm>
           <a:prstGeom prst="rect">
@@ -10582,145 +10353,7 @@
                   <a:srgbClr val="000000"/>
                 </a:solidFill>
               </a:rPr>
-              <a:t>Lastname:</a:t>
-            </a:r>
-            <a:r>
-              <a:rPr kumimoji="1" lang="en-US" altLang="ja-JP" sz="1100" i="1" dirty="0" err="1" smtClean="0">
-                <a:solidFill>
-                  <a:srgbClr val="000000"/>
-                </a:solidFill>
-              </a:rPr>
-              <a:t>dong</a:t>
-            </a:r>
-            <a:endParaRPr kumimoji="1" lang="ja-JP" altLang="en-US" sz="1100" i="1" dirty="0">
-              <a:solidFill>
-                <a:srgbClr val="000000"/>
-              </a:solidFill>
-            </a:endParaRPr>
-          </a:p>
-        </p:txBody>
-      </p:sp>
-      <p:sp>
-        <p:nvSpPr>
-          <p:cNvPr id="79" name="TextBox 78"/>
-          <p:cNvSpPr txBox="1"/>
-          <p:nvPr/>
-        </p:nvSpPr>
-        <p:spPr>
-          <a:xfrm>
-            <a:off x="1098489" y="3249101"/>
-            <a:ext cx="1310237" cy="307777"/>
-          </a:xfrm>
-          <a:prstGeom prst="rect">
-            <a:avLst/>
-          </a:prstGeom>
-          <a:noFill/>
-        </p:spPr>
-        <p:txBody>
-          <a:bodyPr wrap="square" rtlCol="0">
-            <a:spAutoFit/>
-          </a:bodyPr>
-          <a:lstStyle/>
-          <a:p>
-            <a:r>
-              <a:rPr kumimoji="1" lang="en-US" altLang="ja-JP" sz="1400" b="1" dirty="0" smtClean="0">
-                <a:solidFill>
-                  <a:srgbClr val="3366FF"/>
-                </a:solidFill>
-              </a:rPr>
-              <a:t>admin</a:t>
-            </a:r>
-            <a:endParaRPr kumimoji="1" lang="ja-JP" altLang="en-US" sz="1400" b="1" dirty="0">
-              <a:solidFill>
-                <a:srgbClr val="3366FF"/>
-              </a:solidFill>
-            </a:endParaRPr>
-          </a:p>
-        </p:txBody>
-      </p:sp>
-      <p:sp>
-        <p:nvSpPr>
-          <p:cNvPr id="80" name="TextBox 79"/>
-          <p:cNvSpPr txBox="1"/>
-          <p:nvPr/>
-        </p:nvSpPr>
-        <p:spPr>
-          <a:xfrm>
-            <a:off x="1270806" y="3506943"/>
-            <a:ext cx="1706477" cy="261610"/>
-          </a:xfrm>
-          <a:prstGeom prst="rect">
-            <a:avLst/>
-          </a:prstGeom>
-          <a:noFill/>
-        </p:spPr>
-        <p:txBody>
-          <a:bodyPr wrap="square" rtlCol="0">
-            <a:spAutoFit/>
-          </a:bodyPr>
-          <a:lstStyle/>
-          <a:p>
-            <a:r>
-              <a:rPr kumimoji="1" lang="en-US" altLang="ja-JP" sz="1100" i="1" dirty="0" err="1" smtClean="0">
-                <a:solidFill>
-                  <a:srgbClr val="000000"/>
-                </a:solidFill>
-              </a:rPr>
-              <a:t>Firstname:l</a:t>
-            </a:r>
-            <a:r>
-              <a:rPr kumimoji="1" lang="en-US" altLang="ja-JP" sz="1100" i="1" dirty="0" err="1" smtClean="0">
-                <a:solidFill>
-                  <a:srgbClr val="000000"/>
-                </a:solidFill>
-              </a:rPr>
-              <a:t>e</a:t>
-            </a:r>
-            <a:endParaRPr kumimoji="1" lang="ja-JP" altLang="en-US" sz="1100" i="1" dirty="0">
-              <a:solidFill>
-                <a:srgbClr val="000000"/>
-              </a:solidFill>
-            </a:endParaRPr>
-          </a:p>
-        </p:txBody>
-      </p:sp>
-      <p:sp>
-        <p:nvSpPr>
-          <p:cNvPr id="81" name="TextBox 80"/>
-          <p:cNvSpPr txBox="1"/>
-          <p:nvPr/>
-        </p:nvSpPr>
-        <p:spPr>
-          <a:xfrm>
-            <a:off x="2942578" y="3506943"/>
-            <a:ext cx="1310237" cy="261610"/>
-          </a:xfrm>
-          <a:prstGeom prst="rect">
-            <a:avLst/>
-          </a:prstGeom>
-          <a:noFill/>
-        </p:spPr>
-        <p:txBody>
-          <a:bodyPr wrap="square" rtlCol="0">
-            <a:spAutoFit/>
-          </a:bodyPr>
-          <a:lstStyle/>
-          <a:p>
-            <a:r>
-              <a:rPr kumimoji="1" lang="en-US" altLang="ja-JP" sz="1100" i="1" dirty="0" err="1" smtClean="0">
-                <a:solidFill>
-                  <a:srgbClr val="000000"/>
-                </a:solidFill>
-              </a:rPr>
-              <a:t>Lastname:</a:t>
-            </a:r>
-            <a:r>
-              <a:rPr kumimoji="1" lang="en-US" altLang="ja-JP" sz="1100" i="1" dirty="0" err="1" smtClean="0">
-                <a:solidFill>
-                  <a:srgbClr val="000000"/>
-                </a:solidFill>
-              </a:rPr>
-              <a:t>dong</a:t>
+              <a:t>Lastname:dong</a:t>
             </a:r>
             <a:endParaRPr kumimoji="1" lang="ja-JP" altLang="en-US" sz="1100" i="1" dirty="0">
               <a:solidFill>
@@ -10783,6 +10416,128 @@
             <a:endParaRPr kumimoji="1" lang="ja-JP" altLang="en-US" sz="800" i="1" dirty="0">
               <a:solidFill>
                 <a:schemeClr val="tx1"/>
+              </a:solidFill>
+            </a:endParaRPr>
+          </a:p>
+        </p:txBody>
+      </p:sp>
+      <p:sp>
+        <p:nvSpPr>
+          <p:cNvPr id="31" name="Rectangle 30"/>
+          <p:cNvSpPr/>
+          <p:nvPr/>
+        </p:nvSpPr>
+        <p:spPr>
+          <a:xfrm rot="10800000" flipV="1">
+            <a:off x="2336800" y="2535243"/>
+            <a:ext cx="1249402" cy="313399"/>
+          </a:xfrm>
+          <a:prstGeom prst="rect">
+            <a:avLst/>
+          </a:prstGeom>
+        </p:spPr>
+        <p:style>
+          <a:lnRef idx="1">
+            <a:schemeClr val="accent1"/>
+          </a:lnRef>
+          <a:fillRef idx="3">
+            <a:schemeClr val="accent1"/>
+          </a:fillRef>
+          <a:effectRef idx="2">
+            <a:schemeClr val="accent1"/>
+          </a:effectRef>
+          <a:fontRef idx="minor">
+            <a:schemeClr val="lt1"/>
+          </a:fontRef>
+        </p:style>
+        <p:txBody>
+          <a:bodyPr rtlCol="0" anchor="ctr"/>
+          <a:lstStyle/>
+          <a:p>
+            <a:pPr algn="ctr"/>
+            <a:r>
+              <a:rPr lang="en-US" sz="1000" dirty="0" smtClean="0"/>
+              <a:t>Show All posts</a:t>
+            </a:r>
+            <a:endParaRPr lang="en-US" sz="1000" dirty="0"/>
+          </a:p>
+        </p:txBody>
+      </p:sp>
+      <p:sp>
+        <p:nvSpPr>
+          <p:cNvPr id="32" name="Rectangle 31"/>
+          <p:cNvSpPr/>
+          <p:nvPr/>
+        </p:nvSpPr>
+        <p:spPr>
+          <a:xfrm rot="10800000" flipV="1">
+            <a:off x="2336799" y="3181923"/>
+            <a:ext cx="1249402" cy="313399"/>
+          </a:xfrm>
+          <a:prstGeom prst="rect">
+            <a:avLst/>
+          </a:prstGeom>
+        </p:spPr>
+        <p:style>
+          <a:lnRef idx="1">
+            <a:schemeClr val="accent1"/>
+          </a:lnRef>
+          <a:fillRef idx="3">
+            <a:schemeClr val="accent1"/>
+          </a:fillRef>
+          <a:effectRef idx="2">
+            <a:schemeClr val="accent1"/>
+          </a:effectRef>
+          <a:fontRef idx="minor">
+            <a:schemeClr val="lt1"/>
+          </a:fontRef>
+        </p:style>
+        <p:txBody>
+          <a:bodyPr rtlCol="0" anchor="ctr"/>
+          <a:lstStyle/>
+          <a:p>
+            <a:pPr algn="ctr"/>
+            <a:r>
+              <a:rPr lang="en-US" sz="1000" dirty="0" smtClean="0"/>
+              <a:t>Show All posts</a:t>
+            </a:r>
+            <a:endParaRPr lang="en-US" sz="1000" dirty="0"/>
+          </a:p>
+        </p:txBody>
+      </p:sp>
+      <p:sp>
+        <p:nvSpPr>
+          <p:cNvPr id="33" name="TextBox 32"/>
+          <p:cNvSpPr txBox="1"/>
+          <p:nvPr/>
+        </p:nvSpPr>
+        <p:spPr>
+          <a:xfrm>
+            <a:off x="3684346" y="2552486"/>
+            <a:ext cx="327433" cy="246221"/>
+          </a:xfrm>
+          <a:prstGeom prst="rect">
+            <a:avLst/>
+          </a:prstGeom>
+          <a:noFill/>
+        </p:spPr>
+        <p:txBody>
+          <a:bodyPr wrap="none" rtlCol="0">
+            <a:spAutoFit/>
+          </a:bodyPr>
+          <a:lstStyle/>
+          <a:p>
+            <a:r>
+              <a:rPr kumimoji="1" lang="en-US" altLang="ja-JP" sz="1000" dirty="0" smtClean="0">
+                <a:solidFill>
+                  <a:srgbClr val="FF0000"/>
+                </a:solidFill>
+              </a:rPr>
+              <a:t>(6)</a:t>
+            </a:r>
+            <a:endParaRPr kumimoji="1" lang="ja-JP" altLang="en-US" sz="1000" dirty="0">
+              <a:solidFill>
+                <a:srgbClr val="FF0000"/>
               </a:solidFill>
             </a:endParaRPr>
           </a:p>
@@ -10883,15 +10638,7 @@
             </a:r>
             <a:r>
               <a:rPr kumimoji="1" lang="en-US" altLang="ja-JP" dirty="0" smtClean="0"/>
-              <a:t>-</a:t>
-            </a:r>
-            <a:r>
-              <a:rPr kumimoji="1" lang="en-US" altLang="ja-JP" dirty="0" smtClean="0"/>
-              <a:t>3</a:t>
-            </a:r>
-            <a:r>
-              <a:rPr kumimoji="1" lang="en-US" altLang="ja-JP" dirty="0" smtClean="0"/>
-              <a:t>-10 Search Posts</a:t>
+              <a:t>-3-10 Search Posts</a:t>
             </a:r>
             <a:endParaRPr kumimoji="1" lang="ja-JP" altLang="en-US" dirty="0"/>
           </a:p>
@@ -11169,11 +10916,7 @@
             </a:r>
             <a:r>
               <a:rPr kumimoji="1" lang="en-US" altLang="ja-JP" sz="1050" dirty="0" smtClean="0"/>
-              <a:t>/</a:t>
-            </a:r>
-            <a:r>
-              <a:rPr kumimoji="1" lang="en-US" altLang="ja-JP" sz="1050" dirty="0" smtClean="0"/>
-              <a:t>posts/search</a:t>
+              <a:t>/posts/search</a:t>
             </a:r>
             <a:endParaRPr kumimoji="1" lang="ja-JP" altLang="en-US" sz="1050" dirty="0"/>
           </a:p>
@@ -11188,14 +10931,14 @@
           <p:nvPr>
             <p:extLst>
               <p:ext uri="{D42A27DB-BD31-4B8C-83A1-F6EECF244321}">
-                <p14:modId xmlns:p14="http://schemas.microsoft.com/office/powerpoint/2010/main" val="4277897798"/>
+                <p14:modId xmlns:p14="http://schemas.microsoft.com/office/powerpoint/2010/main" val="1494210068"/>
               </p:ext>
             </p:extLst>
           </p:nvPr>
         </p:nvGraphicFramePr>
         <p:xfrm>
           <a:off x="5130799" y="869583"/>
-          <a:ext cx="3945470" cy="3151212"/>
+          <a:ext cx="3945470" cy="2754972"/>
         </p:xfrm>
         <a:graphic>
           <a:graphicData uri="http://schemas.openxmlformats.org/drawingml/2006/table">
@@ -11604,7 +11347,7 @@
                     <a:p>
                       <a:r>
                         <a:rPr kumimoji="1" lang="en-US" altLang="ja-JP" sz="1000" dirty="0" smtClean="0"/>
-                        <a:t>Create Posts</a:t>
+                        <a:t>Search Posts</a:t>
                       </a:r>
                       <a:endParaRPr kumimoji="1" lang="ja-JP" altLang="en-US" sz="1000" dirty="0"/>
                     </a:p>
@@ -11644,108 +11387,6 @@
                         <a:defRPr/>
                       </a:pPr>
                       <a:r>
-                        <a:rPr kumimoji="1" lang="en-US" altLang="ja-JP" sz="1000" dirty="0"/>
-                        <a:t>Click =&gt; </a:t>
-                      </a:r>
-                      <a:r>
-                        <a:rPr kumimoji="1" lang="en-US" altLang="ja-JP" sz="1000" dirty="0" smtClean="0"/>
-                        <a:t>page create post</a:t>
-                      </a:r>
-                      <a:endParaRPr kumimoji="1" lang="ja-JP" altLang="en-US" sz="1000" dirty="0"/>
-                    </a:p>
-                  </a:txBody>
-                  <a:tcPr/>
-                </a:tc>
-                <a:tc>
-                  <a:txBody>
-                    <a:bodyPr/>
-                    <a:lstStyle/>
-                    <a:p>
-                      <a:r>
-                        <a:rPr kumimoji="1" lang="vi-VN" altLang="ja-JP" sz="1000" dirty="0">
-                          <a:latin typeface="Calibri"/>
-                          <a:cs typeface="Calibri"/>
-                        </a:rPr>
-                        <a:t>S</a:t>
-                      </a:r>
-                      <a:r>
-                        <a:rPr kumimoji="1" lang="vi-VN" altLang="ja-JP" sz="1000" dirty="0" smtClean="0">
-                          <a:latin typeface="Calibri"/>
-                          <a:cs typeface="Calibri"/>
-                        </a:rPr>
-                        <a:t>-3-9</a:t>
-                      </a:r>
-                      <a:endParaRPr kumimoji="1" lang="ja-JP" altLang="en-US" sz="1000" dirty="0">
-                        <a:latin typeface="Calibri"/>
-                        <a:cs typeface="Calibri"/>
-                      </a:endParaRPr>
-                    </a:p>
-                  </a:txBody>
-                  <a:tcPr/>
-                </a:tc>
-              </a:tr>
-              <a:tr h="327082">
-                <a:tc>
-                  <a:txBody>
-                    <a:bodyPr/>
-                    <a:lstStyle/>
-                    <a:p>
-                      <a:r>
-                        <a:rPr kumimoji="1" lang="en-US" altLang="ja-JP" sz="1000" dirty="0" smtClean="0"/>
-                        <a:t>6</a:t>
-                      </a:r>
-                      <a:endParaRPr kumimoji="1" lang="ja-JP" altLang="en-US" sz="1000" dirty="0"/>
-                    </a:p>
-                  </a:txBody>
-                  <a:tcPr/>
-                </a:tc>
-                <a:tc>
-                  <a:txBody>
-                    <a:bodyPr/>
-                    <a:lstStyle/>
-                    <a:p>
-                      <a:r>
-                        <a:rPr kumimoji="1" lang="en-US" altLang="ja-JP" sz="1000" dirty="0" smtClean="0"/>
-                        <a:t>Search Posts</a:t>
-                      </a:r>
-                      <a:endParaRPr kumimoji="1" lang="ja-JP" altLang="en-US" sz="1000" dirty="0"/>
-                    </a:p>
-                  </a:txBody>
-                  <a:tcPr/>
-                </a:tc>
-                <a:tc>
-                  <a:txBody>
-                    <a:bodyPr/>
-                    <a:lstStyle/>
-                    <a:p>
-                      <a:endParaRPr kumimoji="1" lang="ja-JP" altLang="en-US" sz="1000"/>
-                    </a:p>
-                  </a:txBody>
-                  <a:tcPr/>
-                </a:tc>
-                <a:tc>
-                  <a:txBody>
-                    <a:bodyPr/>
-                    <a:lstStyle/>
-                    <a:p>
-                      <a:pPr marL="0" marR="0" indent="0" algn="l" defTabSz="457200" rtl="0" eaLnBrk="1" fontAlgn="auto" latinLnBrk="0" hangingPunct="1">
-                        <a:lnSpc>
-                          <a:spcPct val="100000"/>
-                        </a:lnSpc>
-                        <a:spcBef>
-                          <a:spcPts val="0"/>
-                        </a:spcBef>
-                        <a:spcAft>
-                          <a:spcPts val="0"/>
-                        </a:spcAft>
-                        <a:buClrTx/>
-                        <a:buSzTx/>
-                        <a:buFontTx/>
-                        <a:buNone/>
-                        <a:tabLst/>
-                        <a:defRPr/>
-                      </a:pPr>
-                      <a:r>
                         <a:rPr kumimoji="1" lang="en-US" altLang="ja-JP" sz="1000" dirty="0" smtClean="0">
                           <a:latin typeface="Calibri" panose="020F0502020204030204" pitchFamily="34" charset="0"/>
                         </a:rPr>
@@ -11771,7 +11412,11 @@
                     <a:p>
                       <a:r>
                         <a:rPr kumimoji="1" lang="en-US" altLang="ja-JP" sz="1000" dirty="0" smtClean="0"/>
-                        <a:t>S-3-10</a:t>
+                        <a:t>S-3</a:t>
+                      </a:r>
+                      <a:r>
+                        <a:rPr kumimoji="1" lang="en-US" altLang="ja-JP" sz="1000" dirty="0" smtClean="0"/>
+                        <a:t>-9</a:t>
                       </a:r>
                       <a:endParaRPr kumimoji="1" lang="ja-JP" altLang="en-US" sz="1000" dirty="0"/>
                     </a:p>
@@ -11787,7 +11432,7 @@
                     <a:p>
                       <a:r>
                         <a:rPr kumimoji="1" lang="en-US" altLang="ja-JP" sz="1000" dirty="0" smtClean="0"/>
-                        <a:t>7</a:t>
+                        <a:t>6</a:t>
                       </a:r>
                       <a:endParaRPr kumimoji="1" lang="ja-JP" altLang="en-US" sz="1000" dirty="0"/>
                     </a:p>
@@ -11846,8 +11491,8 @@
                     <a:lstStyle/>
                     <a:p>
                       <a:r>
-                        <a:rPr kumimoji="1" lang="en-US" altLang="ja-JP" sz="1000" dirty="0" smtClean="0"/>
-                        <a:t>8</a:t>
+                        <a:rPr kumimoji="1" lang="en-US" altLang="ja-JP" sz="1000" smtClean="0"/>
+                        <a:t>7</a:t>
                       </a:r>
                       <a:endParaRPr kumimoji="1" lang="ja-JP" altLang="en-US" sz="1000" dirty="0"/>
                     </a:p>
@@ -12007,7 +11652,7 @@
                   <a:srgbClr val="FF0000"/>
                 </a:solidFill>
               </a:rPr>
-              <a:t>(8)</a:t>
+              <a:t>(7)</a:t>
             </a:r>
             <a:endParaRPr kumimoji="1" lang="ja-JP" altLang="en-US" sz="1000" dirty="0">
               <a:solidFill>
@@ -12221,48 +11866,6 @@
       </p:sp>
       <p:sp>
         <p:nvSpPr>
-          <p:cNvPr id="49" name="Rectangle 48"/>
-          <p:cNvSpPr/>
-          <p:nvPr/>
-        </p:nvSpPr>
-        <p:spPr>
-          <a:xfrm>
-            <a:off x="759716" y="1964272"/>
-            <a:ext cx="1058923" cy="222342"/>
-          </a:xfrm>
-          <a:prstGeom prst="rect">
-            <a:avLst/>
-          </a:prstGeom>
-        </p:spPr>
-        <p:style>
-          <a:lnRef idx="1">
-            <a:schemeClr val="accent1"/>
-          </a:lnRef>
-          <a:fillRef idx="3">
-            <a:schemeClr val="accent1"/>
-          </a:fillRef>
-          <a:effectRef idx="2">
-            <a:schemeClr val="accent1"/>
-          </a:effectRef>
-          <a:fontRef idx="minor">
-            <a:schemeClr val="lt1"/>
-          </a:fontRef>
-        </p:style>
-        <p:txBody>
-          <a:bodyPr rtlCol="0" anchor="ctr"/>
-          <a:lstStyle/>
-          <a:p>
-            <a:pPr algn="ctr"/>
-            <a:r>
-              <a:rPr kumimoji="1" lang="en-US" altLang="ja-JP" sz="1000" dirty="0" smtClean="0"/>
-              <a:t>Create Posts</a:t>
-            </a:r>
-            <a:endParaRPr kumimoji="1" lang="ja-JP" altLang="en-US" sz="1000" dirty="0"/>
-          </a:p>
-        </p:txBody>
-      </p:sp>
-      <p:sp>
-        <p:nvSpPr>
           <p:cNvPr id="53" name="TextBox 52"/>
           <p:cNvSpPr txBox="1"/>
           <p:nvPr/>
@@ -12270,44 +11873,6 @@
         <p:spPr>
           <a:xfrm>
             <a:off x="4231571" y="2222941"/>
-            <a:ext cx="327433" cy="246221"/>
-          </a:xfrm>
-          <a:prstGeom prst="rect">
-            <a:avLst/>
-          </a:prstGeom>
-          <a:noFill/>
-        </p:spPr>
-        <p:txBody>
-          <a:bodyPr wrap="none" rtlCol="0">
-            <a:spAutoFit/>
-          </a:bodyPr>
-          <a:lstStyle/>
-          <a:p>
-            <a:r>
-              <a:rPr kumimoji="1" lang="en-US" altLang="ja-JP" sz="1000" dirty="0" smtClean="0">
-                <a:solidFill>
-                  <a:srgbClr val="FF0000"/>
-                </a:solidFill>
-              </a:rPr>
-              <a:t>(6)</a:t>
-            </a:r>
-            <a:endParaRPr kumimoji="1" lang="ja-JP" altLang="en-US" sz="1000" dirty="0">
-              <a:solidFill>
-                <a:srgbClr val="FF0000"/>
-              </a:solidFill>
-            </a:endParaRPr>
-          </a:p>
-        </p:txBody>
-      </p:sp>
-      <p:sp>
-        <p:nvSpPr>
-          <p:cNvPr id="57" name="TextBox 56"/>
-          <p:cNvSpPr txBox="1"/>
-          <p:nvPr/>
-        </p:nvSpPr>
-        <p:spPr>
-          <a:xfrm>
-            <a:off x="281661" y="1964272"/>
             <a:ext cx="327433" cy="246221"/>
           </a:xfrm>
           <a:prstGeom prst="rect">
@@ -12601,7 +12166,7 @@
                   <a:srgbClr val="FF0000"/>
                 </a:solidFill>
               </a:rPr>
-              <a:t>(7)</a:t>
+              <a:t>(6)</a:t>
             </a:r>
             <a:endParaRPr kumimoji="1" lang="ja-JP" altLang="en-US" sz="1000" dirty="0">
               <a:solidFill>
@@ -13049,7 +12614,7 @@
         <p:spPr>
           <a:xfrm>
             <a:off x="2055094" y="679753"/>
-            <a:ext cx="621570" cy="6119687"/>
+            <a:ext cx="621570" cy="4948887"/>
           </a:xfrm>
           <a:prstGeom prst="bentConnector2">
             <a:avLst/>
@@ -13568,7 +13133,7 @@
         <p:spPr>
           <a:xfrm>
             <a:off x="5952624" y="1300289"/>
-            <a:ext cx="51745" cy="1809458"/>
+            <a:ext cx="51745" cy="1236207"/>
           </a:xfrm>
           <a:prstGeom prst="line">
             <a:avLst/>
@@ -13811,7 +13376,7 @@
         </p:nvSpPr>
         <p:spPr>
           <a:xfrm>
-            <a:off x="4755096" y="3348623"/>
+            <a:off x="4777678" y="4693924"/>
             <a:ext cx="598646" cy="290286"/>
           </a:xfrm>
           <a:prstGeom prst="rect">
@@ -13848,25 +13413,199 @@
             </a:r>
             <a:r>
               <a:rPr kumimoji="1" lang="en-US" altLang="ja-JP" sz="1000" dirty="0"/>
-              <a:t>4</a:t>
+              <a:t>5</a:t>
             </a:r>
             <a:r>
               <a:rPr kumimoji="1" lang="en-US" altLang="ja-JP" sz="1000" dirty="0" smtClean="0"/>
-              <a:t>-2</a:t>
+              <a:t>-</a:t>
+            </a:r>
+            <a:r>
+              <a:rPr kumimoji="1" lang="en-US" altLang="ja-JP" sz="1000" dirty="0" smtClean="0"/>
+              <a:t>2</a:t>
             </a:r>
             <a:endParaRPr kumimoji="1" lang="ja-JP" altLang="en-US" sz="1000" dirty="0"/>
           </a:p>
         </p:txBody>
       </p:sp>
+      <p:sp>
+        <p:nvSpPr>
+          <p:cNvPr id="82" name="TextBox 81"/>
+          <p:cNvSpPr txBox="1"/>
+          <p:nvPr/>
+        </p:nvSpPr>
+        <p:spPr>
+          <a:xfrm>
+            <a:off x="3245739" y="3669033"/>
+            <a:ext cx="688052" cy="246221"/>
+          </a:xfrm>
+          <a:prstGeom prst="rect">
+            <a:avLst/>
+          </a:prstGeom>
+          <a:noFill/>
+        </p:spPr>
+        <p:txBody>
+          <a:bodyPr wrap="square" rtlCol="0">
+            <a:spAutoFit/>
+          </a:bodyPr>
+          <a:lstStyle/>
+          <a:p>
+            <a:r>
+              <a:rPr kumimoji="1" lang="en-US" altLang="ja-JP" sz="1000" dirty="0" smtClean="0"/>
+              <a:t>Profile</a:t>
+            </a:r>
+            <a:endParaRPr kumimoji="1" lang="ja-JP" altLang="en-US" sz="1000" dirty="0"/>
+          </a:p>
+        </p:txBody>
+      </p:sp>
+      <p:cxnSp>
+        <p:nvCxnSpPr>
+          <p:cNvPr id="83" name="Straight Arrow Connector 82"/>
+          <p:cNvCxnSpPr/>
+          <p:nvPr/>
+        </p:nvCxnSpPr>
+        <p:spPr>
+          <a:xfrm>
+            <a:off x="3875483" y="4833027"/>
+            <a:ext cx="869202" cy="0"/>
+          </a:xfrm>
+          <a:prstGeom prst="straightConnector1">
+            <a:avLst/>
+          </a:prstGeom>
+          <a:ln>
+            <a:solidFill>
+              <a:schemeClr val="tx1"/>
+            </a:solidFill>
+            <a:tailEnd type="arrow"/>
+          </a:ln>
+          <a:effectLst/>
+        </p:spPr>
+        <p:style>
+          <a:lnRef idx="2">
+            <a:schemeClr val="accent1"/>
+          </a:lnRef>
+          <a:fillRef idx="0">
+            <a:schemeClr val="accent1"/>
+          </a:fillRef>
+          <a:effectRef idx="1">
+            <a:schemeClr val="accent1"/>
+          </a:effectRef>
+          <a:fontRef idx="minor">
+            <a:schemeClr val="tx1"/>
+          </a:fontRef>
+        </p:style>
+      </p:cxnSp>
+      <p:cxnSp>
+        <p:nvCxnSpPr>
+          <p:cNvPr id="84" name="Straight Connector 83"/>
+          <p:cNvCxnSpPr/>
+          <p:nvPr/>
+        </p:nvCxnSpPr>
+        <p:spPr>
+          <a:xfrm>
+            <a:off x="4239501" y="3493766"/>
+            <a:ext cx="24934" cy="559756"/>
+          </a:xfrm>
+          <a:prstGeom prst="line">
+            <a:avLst/>
+          </a:prstGeom>
+          <a:ln>
+            <a:solidFill>
+              <a:schemeClr val="tx1"/>
+            </a:solidFill>
+          </a:ln>
+          <a:effectLst/>
+        </p:spPr>
+        <p:style>
+          <a:lnRef idx="2">
+            <a:schemeClr val="accent1"/>
+          </a:lnRef>
+          <a:fillRef idx="0">
+            <a:schemeClr val="accent1"/>
+          </a:fillRef>
+          <a:effectRef idx="1">
+            <a:schemeClr val="accent1"/>
+          </a:effectRef>
+          <a:fontRef idx="minor">
+            <a:schemeClr val="tx1"/>
+          </a:fontRef>
+        </p:style>
+      </p:cxnSp>
+      <p:sp>
+        <p:nvSpPr>
+          <p:cNvPr id="85" name="TextBox 84"/>
+          <p:cNvSpPr txBox="1"/>
+          <p:nvPr/>
+        </p:nvSpPr>
+        <p:spPr>
+          <a:xfrm>
+            <a:off x="4777678" y="5014334"/>
+            <a:ext cx="688052" cy="400110"/>
+          </a:xfrm>
+          <a:prstGeom prst="rect">
+            <a:avLst/>
+          </a:prstGeom>
+          <a:noFill/>
+        </p:spPr>
+        <p:txBody>
+          <a:bodyPr wrap="square" rtlCol="0">
+            <a:spAutoFit/>
+          </a:bodyPr>
+          <a:lstStyle/>
+          <a:p>
+            <a:r>
+              <a:rPr kumimoji="1" lang="en-US" altLang="ja-JP" sz="1000" dirty="0" smtClean="0"/>
+              <a:t>Show all posts </a:t>
+            </a:r>
+            <a:endParaRPr kumimoji="1" lang="ja-JP" altLang="en-US" sz="1000" dirty="0"/>
+          </a:p>
+        </p:txBody>
+      </p:sp>
+      <p:cxnSp>
+        <p:nvCxnSpPr>
+          <p:cNvPr id="86" name="Straight Arrow Connector 85"/>
+          <p:cNvCxnSpPr/>
+          <p:nvPr/>
+        </p:nvCxnSpPr>
+        <p:spPr>
+          <a:xfrm flipV="1">
+            <a:off x="4223723" y="4036067"/>
+            <a:ext cx="502627" cy="17455"/>
+          </a:xfrm>
+          <a:prstGeom prst="straightConnector1">
+            <a:avLst/>
+          </a:prstGeom>
+          <a:ln>
+            <a:solidFill>
+              <a:schemeClr val="tx1"/>
+            </a:solidFill>
+            <a:tailEnd type="arrow"/>
+          </a:ln>
+          <a:effectLst/>
+        </p:spPr>
+        <p:style>
+          <a:lnRef idx="2">
+            <a:schemeClr val="accent1"/>
+          </a:lnRef>
+          <a:fillRef idx="0">
+            <a:schemeClr val="accent1"/>
+          </a:fillRef>
+          <a:effectRef idx="1">
+            <a:schemeClr val="accent1"/>
+          </a:effectRef>
+          <a:fontRef idx="minor">
+            <a:schemeClr val="tx1"/>
+          </a:fontRef>
+        </p:style>
+      </p:cxnSp>
       <p:sp useBgFill="1">
         <p:nvSpPr>
-          <p:cNvPr id="78" name="Rectangle 77"/>
+          <p:cNvPr id="87" name="Rectangle 86"/>
           <p:cNvSpPr/>
           <p:nvPr/>
         </p:nvSpPr>
         <p:spPr>
           <a:xfrm>
-            <a:off x="6566203" y="2374673"/>
+            <a:off x="4755096" y="3890924"/>
             <a:ext cx="598646" cy="290286"/>
           </a:xfrm>
           <a:prstGeom prst="rect">
@@ -13895,11 +13634,19 @@
             <a:pPr algn="ctr"/>
             <a:r>
               <a:rPr kumimoji="1" lang="en-US" altLang="ja-JP" sz="1000" dirty="0"/>
-              <a:t>S-3</a:t>
+              <a:t>S</a:t>
             </a:r>
             <a:r>
               <a:rPr kumimoji="1" lang="en-US" altLang="ja-JP" sz="1000" dirty="0" smtClean="0"/>
-              <a:t>-7</a:t>
+              <a:t>-</a:t>
+            </a:r>
+            <a:r>
+              <a:rPr kumimoji="1" lang="en-US" altLang="ja-JP" sz="1000" dirty="0"/>
+              <a:t>4</a:t>
+            </a:r>
+            <a:r>
+              <a:rPr kumimoji="1" lang="en-US" altLang="ja-JP" sz="1000" dirty="0" smtClean="0"/>
+              <a:t>-3</a:t>
             </a:r>
             <a:endParaRPr kumimoji="1" lang="ja-JP" altLang="en-US" sz="1000" dirty="0"/>
           </a:p>
@@ -13907,14 +13654,14 @@
       </p:sp>
       <p:sp>
         <p:nvSpPr>
-          <p:cNvPr id="79" name="TextBox 78"/>
+          <p:cNvPr id="88" name="TextBox 87"/>
           <p:cNvSpPr txBox="1"/>
           <p:nvPr/>
         </p:nvSpPr>
         <p:spPr>
           <a:xfrm>
-            <a:off x="6566203" y="2718383"/>
-            <a:ext cx="688052" cy="246221"/>
+            <a:off x="4484161" y="4211334"/>
+            <a:ext cx="1212227" cy="246221"/>
           </a:xfrm>
           <a:prstGeom prst="rect">
             <a:avLst/>
@@ -13928,38 +13675,8 @@
           <a:lstStyle/>
           <a:p>
             <a:r>
-              <a:rPr kumimoji="1" lang="en-US" altLang="ja-JP" sz="1000" dirty="0" err="1" smtClean="0"/>
-              <a:t>Deactive</a:t>
-            </a:r>
-            <a:endParaRPr kumimoji="1" lang="ja-JP" altLang="en-US" sz="1000" dirty="0"/>
-          </a:p>
-        </p:txBody>
-      </p:sp>
-      <p:sp>
-        <p:nvSpPr>
-          <p:cNvPr id="82" name="TextBox 81"/>
-          <p:cNvSpPr txBox="1"/>
-          <p:nvPr/>
-        </p:nvSpPr>
-        <p:spPr>
-          <a:xfrm>
-            <a:off x="3245739" y="3669033"/>
-            <a:ext cx="688052" cy="246221"/>
-          </a:xfrm>
-          <a:prstGeom prst="rect">
-            <a:avLst/>
-          </a:prstGeom>
-          <a:noFill/>
-        </p:spPr>
-        <p:txBody>
-          <a:bodyPr wrap="square" rtlCol="0">
-            <a:spAutoFit/>
-          </a:bodyPr>
-          <a:lstStyle/>
-          <a:p>
-            <a:r>
               <a:rPr kumimoji="1" lang="en-US" altLang="ja-JP" sz="1000" dirty="0" smtClean="0"/>
-              <a:t>Profile</a:t>
+              <a:t>Change Password</a:t>
             </a:r>
             <a:endParaRPr kumimoji="1" lang="ja-JP" altLang="en-US" sz="1000" dirty="0"/>
           </a:p>
@@ -13967,14 +13684,14 @@
       </p:sp>
       <p:cxnSp>
         <p:nvCxnSpPr>
-          <p:cNvPr id="83" name="Straight Arrow Connector 82"/>
+          <p:cNvPr id="102" name="Straight Arrow Connector 101"/>
           <p:cNvCxnSpPr/>
           <p:nvPr/>
         </p:nvCxnSpPr>
         <p:spPr>
           <a:xfrm>
-            <a:off x="3852901" y="3487726"/>
-            <a:ext cx="869202" cy="0"/>
+            <a:off x="6004369" y="2527073"/>
+            <a:ext cx="561834" cy="0"/>
           </a:xfrm>
           <a:prstGeom prst="straightConnector1">
             <a:avLst/>
@@ -14002,118 +13719,15 @@
           </a:fontRef>
         </p:style>
       </p:cxnSp>
-      <p:cxnSp>
-        <p:nvCxnSpPr>
-          <p:cNvPr id="84" name="Straight Connector 83"/>
-          <p:cNvCxnSpPr/>
-          <p:nvPr/>
-        </p:nvCxnSpPr>
-        <p:spPr>
-          <a:xfrm>
-            <a:off x="4239501" y="3493766"/>
-            <a:ext cx="24934" cy="2266906"/>
-          </a:xfrm>
-          <a:prstGeom prst="line">
-            <a:avLst/>
-          </a:prstGeom>
-          <a:ln>
-            <a:solidFill>
-              <a:schemeClr val="tx1"/>
-            </a:solidFill>
-          </a:ln>
-          <a:effectLst/>
-        </p:spPr>
-        <p:style>
-          <a:lnRef idx="2">
-            <a:schemeClr val="accent1"/>
-          </a:lnRef>
-          <a:fillRef idx="0">
-            <a:schemeClr val="accent1"/>
-          </a:fillRef>
-          <a:effectRef idx="1">
-            <a:schemeClr val="accent1"/>
-          </a:effectRef>
-          <a:fontRef idx="minor">
-            <a:schemeClr val="tx1"/>
-          </a:fontRef>
-        </p:style>
-      </p:cxnSp>
-      <p:sp>
-        <p:nvSpPr>
-          <p:cNvPr id="85" name="TextBox 84"/>
-          <p:cNvSpPr txBox="1"/>
-          <p:nvPr/>
-        </p:nvSpPr>
-        <p:spPr>
-          <a:xfrm>
-            <a:off x="4755096" y="3669033"/>
-            <a:ext cx="688052" cy="246221"/>
-          </a:xfrm>
-          <a:prstGeom prst="rect">
-            <a:avLst/>
-          </a:prstGeom>
-          <a:noFill/>
-        </p:spPr>
-        <p:txBody>
-          <a:bodyPr wrap="square" rtlCol="0">
-            <a:spAutoFit/>
-          </a:bodyPr>
-          <a:lstStyle/>
-          <a:p>
-            <a:r>
-              <a:rPr kumimoji="1" lang="en-US" altLang="ja-JP" sz="1000" dirty="0" smtClean="0"/>
-              <a:t>Update</a:t>
-            </a:r>
-            <a:endParaRPr kumimoji="1" lang="ja-JP" altLang="en-US" sz="1000" dirty="0"/>
-          </a:p>
-        </p:txBody>
-      </p:sp>
-      <p:cxnSp>
-        <p:nvCxnSpPr>
-          <p:cNvPr id="86" name="Straight Arrow Connector 85"/>
-          <p:cNvCxnSpPr/>
-          <p:nvPr/>
-        </p:nvCxnSpPr>
-        <p:spPr>
-          <a:xfrm flipV="1">
-            <a:off x="4223723" y="4036067"/>
-            <a:ext cx="502627" cy="17455"/>
-          </a:xfrm>
-          <a:prstGeom prst="straightConnector1">
-            <a:avLst/>
-          </a:prstGeom>
-          <a:ln>
-            <a:solidFill>
-              <a:schemeClr val="tx1"/>
-            </a:solidFill>
-            <a:tailEnd type="arrow"/>
-          </a:ln>
-          <a:effectLst/>
-        </p:spPr>
-        <p:style>
-          <a:lnRef idx="2">
-            <a:schemeClr val="accent1"/>
-          </a:lnRef>
-          <a:fillRef idx="0">
-            <a:schemeClr val="accent1"/>
-          </a:fillRef>
-          <a:effectRef idx="1">
-            <a:schemeClr val="accent1"/>
-          </a:effectRef>
-          <a:fontRef idx="minor">
-            <a:schemeClr val="tx1"/>
-          </a:fontRef>
-        </p:style>
-      </p:cxnSp>
       <p:sp useBgFill="1">
         <p:nvSpPr>
-          <p:cNvPr id="87" name="Rectangle 86"/>
+          <p:cNvPr id="103" name="Rectangle 102"/>
           <p:cNvSpPr/>
           <p:nvPr/>
         </p:nvSpPr>
         <p:spPr>
           <a:xfrm>
-            <a:off x="4755096" y="3890924"/>
+            <a:off x="6535694" y="2385615"/>
             <a:ext cx="598646" cy="290286"/>
           </a:xfrm>
           <a:prstGeom prst="rect">
@@ -14142,19 +13756,11 @@
             <a:pPr algn="ctr"/>
             <a:r>
               <a:rPr kumimoji="1" lang="en-US" altLang="ja-JP" sz="1000" dirty="0"/>
-              <a:t>S</a:t>
+              <a:t>S-3</a:t>
             </a:r>
             <a:r>
               <a:rPr kumimoji="1" lang="en-US" altLang="ja-JP" sz="1000" dirty="0" smtClean="0"/>
-              <a:t>-</a:t>
-            </a:r>
-            <a:r>
-              <a:rPr kumimoji="1" lang="en-US" altLang="ja-JP" sz="1000" dirty="0"/>
-              <a:t>4</a:t>
-            </a:r>
-            <a:r>
-              <a:rPr kumimoji="1" lang="en-US" altLang="ja-JP" sz="1000" dirty="0" smtClean="0"/>
-              <a:t>-3</a:t>
+              <a:t>-7</a:t>
             </a:r>
             <a:endParaRPr kumimoji="1" lang="ja-JP" altLang="en-US" sz="1000" dirty="0"/>
           </a:p>
@@ -14162,14 +13768,14 @@
       </p:sp>
       <p:sp>
         <p:nvSpPr>
-          <p:cNvPr id="88" name="TextBox 87"/>
+          <p:cNvPr id="104" name="TextBox 103"/>
           <p:cNvSpPr txBox="1"/>
           <p:nvPr/>
         </p:nvSpPr>
         <p:spPr>
           <a:xfrm>
-            <a:off x="4484161" y="4211334"/>
-            <a:ext cx="1212227" cy="246221"/>
+            <a:off x="6374907" y="2732643"/>
+            <a:ext cx="1199567" cy="246221"/>
           </a:xfrm>
           <a:prstGeom prst="rect">
             <a:avLst/>
@@ -14177,14 +13783,22 @@
           <a:noFill/>
         </p:spPr>
         <p:txBody>
-          <a:bodyPr wrap="square" rtlCol="0">
+          <a:bodyPr wrap="none" rtlCol="0">
             <a:spAutoFit/>
           </a:bodyPr>
           <a:lstStyle/>
           <a:p>
             <a:r>
               <a:rPr kumimoji="1" lang="en-US" altLang="ja-JP" sz="1000" dirty="0" smtClean="0"/>
-              <a:t>Change Password</a:t>
+              <a:t>Show all </a:t>
+            </a:r>
+            <a:r>
+              <a:rPr kumimoji="1" lang="en-US" altLang="ja-JP" sz="1000" dirty="0"/>
+              <a:t>c</a:t>
+            </a:r>
+            <a:r>
+              <a:rPr kumimoji="1" lang="en-US" altLang="ja-JP" sz="1000" dirty="0" smtClean="0"/>
+              <a:t>omments</a:t>
             </a:r>
             <a:endParaRPr kumimoji="1" lang="ja-JP" altLang="en-US" sz="1000" dirty="0"/>
           </a:p>
@@ -14192,14 +13806,14 @@
       </p:sp>
       <p:cxnSp>
         <p:nvCxnSpPr>
-          <p:cNvPr id="90" name="Straight Arrow Connector 89"/>
+          <p:cNvPr id="125" name="Straight Arrow Connector 124"/>
           <p:cNvCxnSpPr/>
           <p:nvPr/>
         </p:nvCxnSpPr>
         <p:spPr>
-          <a:xfrm flipV="1">
-            <a:off x="6004369" y="2530758"/>
-            <a:ext cx="561834" cy="5738"/>
+          <a:xfrm>
+            <a:off x="2696471" y="5384378"/>
+            <a:ext cx="557784" cy="0"/>
           </a:xfrm>
           <a:prstGeom prst="straightConnector1">
             <a:avLst/>
@@ -14227,54 +13841,15 @@
           </a:fontRef>
         </p:style>
       </p:cxnSp>
-      <p:cxnSp>
-        <p:nvCxnSpPr>
-          <p:cNvPr id="102" name="Straight Arrow Connector 101"/>
-          <p:cNvCxnSpPr>
-            <a:endCxn id="103" idx="1"/>
-          </p:cNvCxnSpPr>
-          <p:nvPr/>
-        </p:nvCxnSpPr>
-        <p:spPr>
-          <a:xfrm>
-            <a:off x="6004369" y="3109747"/>
-            <a:ext cx="561834" cy="0"/>
-          </a:xfrm>
-          <a:prstGeom prst="straightConnector1">
-            <a:avLst/>
-          </a:prstGeom>
-          <a:ln>
-            <a:solidFill>
-              <a:schemeClr val="tx1"/>
-            </a:solidFill>
-            <a:tailEnd type="arrow"/>
-          </a:ln>
-          <a:effectLst/>
-        </p:spPr>
-        <p:style>
-          <a:lnRef idx="2">
-            <a:schemeClr val="accent1"/>
-          </a:lnRef>
-          <a:fillRef idx="0">
-            <a:schemeClr val="accent1"/>
-          </a:fillRef>
-          <a:effectRef idx="1">
-            <a:schemeClr val="accent1"/>
-          </a:effectRef>
-          <a:fontRef idx="minor">
-            <a:schemeClr val="tx1"/>
-          </a:fontRef>
-        </p:style>
-      </p:cxnSp>
       <p:sp useBgFill="1">
         <p:nvSpPr>
-          <p:cNvPr id="103" name="Rectangle 102"/>
+          <p:cNvPr id="126" name="Rectangle 125"/>
           <p:cNvSpPr/>
           <p:nvPr/>
         </p:nvSpPr>
         <p:spPr>
           <a:xfrm>
-            <a:off x="6566203" y="2964604"/>
+            <a:off x="3254255" y="5251330"/>
             <a:ext cx="598646" cy="290286"/>
           </a:xfrm>
           <a:prstGeom prst="rect">
@@ -14303,11 +13878,19 @@
             <a:pPr algn="ctr"/>
             <a:r>
               <a:rPr kumimoji="1" lang="en-US" altLang="ja-JP" sz="1000" dirty="0"/>
-              <a:t>S-3</a:t>
+              <a:t>S</a:t>
             </a:r>
             <a:r>
               <a:rPr kumimoji="1" lang="en-US" altLang="ja-JP" sz="1000" dirty="0" smtClean="0"/>
-              <a:t>-8</a:t>
+              <a:t>-</a:t>
+            </a:r>
+            <a:r>
+              <a:rPr kumimoji="1" lang="en-US" altLang="ja-JP" sz="1000" dirty="0"/>
+              <a:t>6</a:t>
+            </a:r>
+            <a:r>
+              <a:rPr kumimoji="1" lang="en-US" altLang="ja-JP" sz="1000" dirty="0" smtClean="0"/>
+              <a:t>-1</a:t>
             </a:r>
             <a:endParaRPr kumimoji="1" lang="ja-JP" altLang="en-US" sz="1000" dirty="0"/>
           </a:p>
@@ -14315,14 +13898,14 @@
       </p:sp>
       <p:sp>
         <p:nvSpPr>
-          <p:cNvPr id="104" name="TextBox 103"/>
+          <p:cNvPr id="127" name="TextBox 126"/>
           <p:cNvSpPr txBox="1"/>
           <p:nvPr/>
         </p:nvSpPr>
         <p:spPr>
           <a:xfrm>
-            <a:off x="6374907" y="3254890"/>
-            <a:ext cx="1199567" cy="246221"/>
+            <a:off x="3250848" y="5541616"/>
+            <a:ext cx="544528" cy="246221"/>
           </a:xfrm>
           <a:prstGeom prst="rect">
             <a:avLst/>
@@ -14337,15 +13920,7 @@
           <a:p>
             <a:r>
               <a:rPr kumimoji="1" lang="en-US" altLang="ja-JP" sz="1000" dirty="0" smtClean="0"/>
-              <a:t>Show all </a:t>
-            </a:r>
-            <a:r>
-              <a:rPr kumimoji="1" lang="en-US" altLang="ja-JP" sz="1000" dirty="0"/>
-              <a:t>c</a:t>
-            </a:r>
-            <a:r>
-              <a:rPr kumimoji="1" lang="en-US" altLang="ja-JP" sz="1000" dirty="0" smtClean="0"/>
-              <a:t>omments</a:t>
+              <a:t>Logout</a:t>
             </a:r>
             <a:endParaRPr kumimoji="1" lang="ja-JP" altLang="en-US" sz="1000" dirty="0"/>
           </a:p>
@@ -14353,14 +13928,14 @@
       </p:sp>
       <p:cxnSp>
         <p:nvCxnSpPr>
-          <p:cNvPr id="110" name="Straight Arrow Connector 109"/>
+          <p:cNvPr id="128" name="Straight Arrow Connector 127"/>
           <p:cNvCxnSpPr/>
           <p:nvPr/>
         </p:nvCxnSpPr>
         <p:spPr>
-          <a:xfrm flipV="1">
-            <a:off x="4264435" y="4609955"/>
-            <a:ext cx="502627" cy="17455"/>
+          <a:xfrm>
+            <a:off x="2696471" y="4839067"/>
+            <a:ext cx="557784" cy="0"/>
           </a:xfrm>
           <a:prstGeom prst="straightConnector1">
             <a:avLst/>
@@ -14390,13 +13965,13 @@
       </p:cxnSp>
       <p:sp useBgFill="1">
         <p:nvSpPr>
-          <p:cNvPr id="111" name="Rectangle 110"/>
+          <p:cNvPr id="129" name="Rectangle 128"/>
           <p:cNvSpPr/>
           <p:nvPr/>
         </p:nvSpPr>
         <p:spPr>
           <a:xfrm>
-            <a:off x="4795808" y="4464812"/>
+            <a:off x="3254255" y="4706019"/>
             <a:ext cx="598646" cy="290286"/>
           </a:xfrm>
           <a:prstGeom prst="rect">
@@ -14429,15 +14004,7 @@
             </a:r>
             <a:r>
               <a:rPr kumimoji="1" lang="en-US" altLang="ja-JP" sz="1000" dirty="0" smtClean="0"/>
-              <a:t>-</a:t>
-            </a:r>
-            <a:r>
-              <a:rPr kumimoji="1" lang="en-US" altLang="ja-JP" sz="1000" dirty="0"/>
-              <a:t>4</a:t>
-            </a:r>
-            <a:r>
-              <a:rPr kumimoji="1" lang="en-US" altLang="ja-JP" sz="1000" dirty="0" smtClean="0"/>
-              <a:t>-4</a:t>
+              <a:t>-5-1</a:t>
             </a:r>
             <a:endParaRPr kumimoji="1" lang="ja-JP" altLang="en-US" sz="1000" dirty="0"/>
           </a:p>
@@ -14445,14 +14012,14 @@
       </p:sp>
       <p:sp>
         <p:nvSpPr>
-          <p:cNvPr id="112" name="TextBox 111"/>
+          <p:cNvPr id="130" name="TextBox 129"/>
           <p:cNvSpPr txBox="1"/>
           <p:nvPr/>
         </p:nvSpPr>
         <p:spPr>
           <a:xfrm>
-            <a:off x="4698807" y="4785222"/>
-            <a:ext cx="918275" cy="246221"/>
+            <a:off x="3250848" y="4996305"/>
+            <a:ext cx="800219" cy="246221"/>
           </a:xfrm>
           <a:prstGeom prst="rect">
             <a:avLst/>
@@ -14460,14 +14027,14 @@
           <a:noFill/>
         </p:spPr>
         <p:txBody>
-          <a:bodyPr wrap="square" rtlCol="0">
+          <a:bodyPr wrap="none" rtlCol="0">
             <a:spAutoFit/>
           </a:bodyPr>
           <a:lstStyle/>
           <a:p>
             <a:r>
               <a:rPr kumimoji="1" lang="en-US" altLang="ja-JP" sz="1000" dirty="0" smtClean="0"/>
-              <a:t>Show all posts</a:t>
+              <a:t>Search user</a:t>
             </a:r>
             <a:endParaRPr kumimoji="1" lang="ja-JP" altLang="en-US" sz="1000" dirty="0"/>
           </a:p>
@@ -14475,14 +14042,14 @@
       </p:sp>
       <p:cxnSp>
         <p:nvCxnSpPr>
-          <p:cNvPr id="113" name="Straight Arrow Connector 112"/>
+          <p:cNvPr id="131" name="Straight Arrow Connector 130"/>
           <p:cNvCxnSpPr/>
           <p:nvPr/>
         </p:nvCxnSpPr>
         <p:spPr>
-          <a:xfrm flipV="1">
-            <a:off x="4243953" y="5176586"/>
-            <a:ext cx="502627" cy="17455"/>
+          <a:xfrm>
+            <a:off x="898664" y="667658"/>
+            <a:ext cx="557784" cy="0"/>
           </a:xfrm>
           <a:prstGeom prst="straightConnector1">
             <a:avLst/>
@@ -14512,13 +14079,13 @@
       </p:cxnSp>
       <p:sp useBgFill="1">
         <p:nvSpPr>
-          <p:cNvPr id="114" name="Rectangle 113"/>
+          <p:cNvPr id="132" name="Rectangle 131"/>
           <p:cNvSpPr/>
           <p:nvPr/>
         </p:nvSpPr>
         <p:spPr>
           <a:xfrm>
-            <a:off x="4775326" y="5031443"/>
+            <a:off x="1456448" y="534610"/>
             <a:ext cx="598646" cy="290286"/>
           </a:xfrm>
           <a:prstGeom prst="rect">
@@ -14551,15 +14118,11 @@
             </a:r>
             <a:r>
               <a:rPr kumimoji="1" lang="en-US" altLang="ja-JP" sz="1000" dirty="0" smtClean="0"/>
-              <a:t>-</a:t>
+              <a:t>-1-</a:t>
             </a:r>
             <a:r>
               <a:rPr kumimoji="1" lang="en-US" altLang="ja-JP" sz="1000" dirty="0"/>
-              <a:t>4</a:t>
-            </a:r>
-            <a:r>
-              <a:rPr kumimoji="1" lang="en-US" altLang="ja-JP" sz="1000" dirty="0" smtClean="0"/>
-              <a:t>-5</a:t>
+              <a:t>2</a:t>
             </a:r>
             <a:endParaRPr kumimoji="1" lang="ja-JP" altLang="en-US" sz="1000" dirty="0"/>
           </a:p>
@@ -14567,14 +14130,14 @@
       </p:sp>
       <p:sp>
         <p:nvSpPr>
-          <p:cNvPr id="115" name="TextBox 114"/>
+          <p:cNvPr id="133" name="TextBox 132"/>
           <p:cNvSpPr txBox="1"/>
           <p:nvPr/>
         </p:nvSpPr>
         <p:spPr>
           <a:xfrm>
-            <a:off x="4504391" y="5351853"/>
-            <a:ext cx="1212227" cy="246221"/>
+            <a:off x="1453041" y="824896"/>
+            <a:ext cx="463376" cy="246221"/>
           </a:xfrm>
           <a:prstGeom prst="rect">
             <a:avLst/>
@@ -14582,14 +14145,14 @@
           <a:noFill/>
         </p:spPr>
         <p:txBody>
-          <a:bodyPr wrap="square" rtlCol="0">
+          <a:bodyPr wrap="none" rtlCol="0">
             <a:spAutoFit/>
           </a:bodyPr>
           <a:lstStyle/>
           <a:p>
             <a:r>
-              <a:rPr kumimoji="1" lang="en-US" altLang="ja-JP" sz="1000" dirty="0" smtClean="0"/>
-              <a:t>Show all comments</a:t>
+              <a:rPr kumimoji="1" lang="en-US" altLang="ja-JP" sz="1000" dirty="0"/>
+              <a:t>Login</a:t>
             </a:r>
             <a:endParaRPr kumimoji="1" lang="ja-JP" altLang="en-US" sz="1000" dirty="0"/>
           </a:p>
@@ -14597,14 +14160,50 @@
       </p:sp>
       <p:cxnSp>
         <p:nvCxnSpPr>
-          <p:cNvPr id="118" name="Straight Arrow Connector 117"/>
+          <p:cNvPr id="138" name="Straight Connector 137"/>
           <p:cNvCxnSpPr/>
           <p:nvPr/>
         </p:nvCxnSpPr>
         <p:spPr>
-          <a:xfrm flipV="1">
-            <a:off x="4235689" y="5743217"/>
-            <a:ext cx="502627" cy="17455"/>
+          <a:xfrm>
+            <a:off x="4143724" y="1289918"/>
+            <a:ext cx="20482" cy="1240840"/>
+          </a:xfrm>
+          <a:prstGeom prst="line">
+            <a:avLst/>
+          </a:prstGeom>
+          <a:ln>
+            <a:solidFill>
+              <a:schemeClr val="tx1"/>
+            </a:solidFill>
+          </a:ln>
+          <a:effectLst/>
+        </p:spPr>
+        <p:style>
+          <a:lnRef idx="2">
+            <a:schemeClr val="accent1"/>
+          </a:lnRef>
+          <a:fillRef idx="0">
+            <a:schemeClr val="accent1"/>
+          </a:fillRef>
+          <a:effectRef idx="1">
+            <a:schemeClr val="accent1"/>
+          </a:effectRef>
+          <a:fontRef idx="minor">
+            <a:schemeClr val="tx1"/>
+          </a:fontRef>
+        </p:style>
+      </p:cxnSp>
+      <p:cxnSp>
+        <p:nvCxnSpPr>
+          <p:cNvPr id="139" name="Straight Arrow Connector 138"/>
+          <p:cNvCxnSpPr/>
+          <p:nvPr/>
+        </p:nvCxnSpPr>
+        <p:spPr>
+          <a:xfrm>
+            <a:off x="4168566" y="1949185"/>
+            <a:ext cx="557784" cy="0"/>
           </a:xfrm>
           <a:prstGeom prst="straightConnector1">
             <a:avLst/>
@@ -14634,13 +14233,13 @@
       </p:cxnSp>
       <p:sp useBgFill="1">
         <p:nvSpPr>
-          <p:cNvPr id="119" name="Rectangle 118"/>
+          <p:cNvPr id="140" name="Rectangle 139"/>
           <p:cNvSpPr/>
           <p:nvPr/>
         </p:nvSpPr>
         <p:spPr>
           <a:xfrm>
-            <a:off x="4767062" y="5598074"/>
+            <a:off x="4726350" y="1804042"/>
             <a:ext cx="598646" cy="290286"/>
           </a:xfrm>
           <a:prstGeom prst="rect">
@@ -14669,19 +14268,11 @@
             <a:pPr algn="ctr"/>
             <a:r>
               <a:rPr kumimoji="1" lang="en-US" altLang="ja-JP" sz="1000" dirty="0"/>
-              <a:t>S</a:t>
+              <a:t>S-3</a:t>
             </a:r>
             <a:r>
               <a:rPr kumimoji="1" lang="en-US" altLang="ja-JP" sz="1000" dirty="0" smtClean="0"/>
-              <a:t>-</a:t>
-            </a:r>
-            <a:r>
-              <a:rPr kumimoji="1" lang="en-US" altLang="ja-JP" sz="1000" dirty="0"/>
-              <a:t>4</a:t>
-            </a:r>
-            <a:r>
-              <a:rPr kumimoji="1" lang="en-US" altLang="ja-JP" sz="1000" dirty="0" smtClean="0"/>
-              <a:t>-6</a:t>
+              <a:t>-8</a:t>
             </a:r>
             <a:endParaRPr kumimoji="1" lang="ja-JP" altLang="en-US" sz="1000" dirty="0"/>
           </a:p>
@@ -14689,14 +14280,14 @@
       </p:sp>
       <p:sp>
         <p:nvSpPr>
-          <p:cNvPr id="120" name="TextBox 119"/>
+          <p:cNvPr id="141" name="TextBox 140"/>
           <p:cNvSpPr txBox="1"/>
           <p:nvPr/>
         </p:nvSpPr>
         <p:spPr>
           <a:xfrm>
-            <a:off x="4496127" y="5918484"/>
-            <a:ext cx="1533387" cy="246221"/>
+            <a:off x="4797626" y="2128452"/>
+            <a:ext cx="529750" cy="246221"/>
           </a:xfrm>
           <a:prstGeom prst="rect">
             <a:avLst/>
@@ -14704,18 +14295,14 @@
           <a:noFill/>
         </p:spPr>
         <p:txBody>
-          <a:bodyPr wrap="square" rtlCol="0">
+          <a:bodyPr wrap="none" rtlCol="0">
             <a:spAutoFit/>
           </a:bodyPr>
           <a:lstStyle/>
           <a:p>
             <a:r>
               <a:rPr kumimoji="1" lang="en-US" altLang="ja-JP" sz="1000" dirty="0" smtClean="0"/>
-              <a:t>Show all posts </a:t>
-            </a:r>
-            <a:r>
-              <a:rPr kumimoji="1" lang="en-US" altLang="ja-JP" sz="1000" dirty="0" err="1" smtClean="0"/>
-              <a:t>deactive</a:t>
+              <a:t>Create</a:t>
             </a:r>
             <a:endParaRPr kumimoji="1" lang="ja-JP" altLang="en-US" sz="1000" dirty="0"/>
           </a:p>
@@ -14723,16 +14310,14 @@
       </p:sp>
       <p:cxnSp>
         <p:nvCxnSpPr>
-          <p:cNvPr id="121" name="Straight Arrow Connector 120"/>
-          <p:cNvCxnSpPr>
-            <a:endCxn id="122" idx="1"/>
-          </p:cNvCxnSpPr>
+          <p:cNvPr id="142" name="Straight Arrow Connector 141"/>
+          <p:cNvCxnSpPr/>
           <p:nvPr/>
         </p:nvCxnSpPr>
         <p:spPr>
           <a:xfrm flipV="1">
-            <a:off x="5339044" y="5743217"/>
-            <a:ext cx="1227159" cy="7257"/>
+            <a:off x="4164206" y="2527073"/>
+            <a:ext cx="590890" cy="9423"/>
           </a:xfrm>
           <a:prstGeom prst="straightConnector1">
             <a:avLst/>
@@ -14762,13 +14347,13 @@
       </p:cxnSp>
       <p:sp useBgFill="1">
         <p:nvSpPr>
-          <p:cNvPr id="122" name="Rectangle 121"/>
+          <p:cNvPr id="143" name="Rectangle 142"/>
           <p:cNvSpPr/>
           <p:nvPr/>
         </p:nvSpPr>
         <p:spPr>
           <a:xfrm>
-            <a:off x="6566203" y="5598074"/>
+            <a:off x="4755096" y="2381930"/>
             <a:ext cx="598646" cy="290286"/>
           </a:xfrm>
           <a:prstGeom prst="rect">
@@ -14797,11 +14382,15 @@
             <a:pPr algn="ctr"/>
             <a:r>
               <a:rPr kumimoji="1" lang="en-US" altLang="ja-JP" sz="1000" dirty="0"/>
-              <a:t>S</a:t>
+              <a:t>S-3</a:t>
             </a:r>
             <a:r>
               <a:rPr kumimoji="1" lang="en-US" altLang="ja-JP" sz="1000" dirty="0" smtClean="0"/>
-              <a:t>-4-7</a:t>
+              <a:t>-</a:t>
+            </a:r>
+            <a:r>
+              <a:rPr kumimoji="1" lang="en-US" altLang="ja-JP" sz="1000" dirty="0"/>
+              <a:t>9</a:t>
             </a:r>
             <a:endParaRPr kumimoji="1" lang="ja-JP" altLang="en-US" sz="1000" dirty="0"/>
           </a:p>
@@ -14809,14 +14398,14 @@
       </p:sp>
       <p:sp>
         <p:nvSpPr>
-          <p:cNvPr id="123" name="TextBox 122"/>
+          <p:cNvPr id="144" name="TextBox 143"/>
           <p:cNvSpPr txBox="1"/>
           <p:nvPr/>
         </p:nvSpPr>
         <p:spPr>
           <a:xfrm>
-            <a:off x="6566203" y="5941784"/>
-            <a:ext cx="688052" cy="246221"/>
+            <a:off x="4826372" y="2706340"/>
+            <a:ext cx="842398" cy="246221"/>
           </a:xfrm>
           <a:prstGeom prst="rect">
             <a:avLst/>
@@ -14824,65 +14413,28 @@
           <a:noFill/>
         </p:spPr>
         <p:txBody>
-          <a:bodyPr wrap="square" rtlCol="0">
+          <a:bodyPr wrap="none" rtlCol="0">
             <a:spAutoFit/>
           </a:bodyPr>
           <a:lstStyle/>
           <a:p>
             <a:r>
               <a:rPr kumimoji="1" lang="en-US" altLang="ja-JP" sz="1000" dirty="0" smtClean="0"/>
-              <a:t>Active</a:t>
+              <a:t>Search posts</a:t>
             </a:r>
             <a:endParaRPr kumimoji="1" lang="ja-JP" altLang="en-US" sz="1000" dirty="0"/>
           </a:p>
         </p:txBody>
       </p:sp>
-      <p:cxnSp>
-        <p:nvCxnSpPr>
-          <p:cNvPr id="125" name="Straight Arrow Connector 124"/>
-          <p:cNvCxnSpPr/>
-          <p:nvPr/>
-        </p:nvCxnSpPr>
-        <p:spPr>
-          <a:xfrm>
-            <a:off x="2696471" y="6466196"/>
-            <a:ext cx="557784" cy="0"/>
-          </a:xfrm>
-          <a:prstGeom prst="straightConnector1">
-            <a:avLst/>
-          </a:prstGeom>
-          <a:ln>
-            <a:solidFill>
-              <a:schemeClr val="tx1"/>
-            </a:solidFill>
-            <a:tailEnd type="arrow"/>
-          </a:ln>
-          <a:effectLst/>
-        </p:spPr>
-        <p:style>
-          <a:lnRef idx="2">
-            <a:schemeClr val="accent1"/>
-          </a:lnRef>
-          <a:fillRef idx="0">
-            <a:schemeClr val="accent1"/>
-          </a:fillRef>
-          <a:effectRef idx="1">
-            <a:schemeClr val="accent1"/>
-          </a:effectRef>
-          <a:fontRef idx="minor">
-            <a:schemeClr val="tx1"/>
-          </a:fontRef>
-        </p:style>
-      </p:cxnSp>
       <p:sp useBgFill="1">
         <p:nvSpPr>
-          <p:cNvPr id="126" name="Rectangle 125"/>
+          <p:cNvPr id="74" name="Rectangle 73"/>
           <p:cNvSpPr/>
           <p:nvPr/>
         </p:nvSpPr>
         <p:spPr>
           <a:xfrm>
-            <a:off x="3254255" y="6333148"/>
+            <a:off x="4777678" y="3348623"/>
             <a:ext cx="598646" cy="290286"/>
           </a:xfrm>
           <a:prstGeom prst="rect">
@@ -14919,41 +14471,11 @@
             </a:r>
             <a:r>
               <a:rPr kumimoji="1" lang="en-US" altLang="ja-JP" sz="1000" dirty="0"/>
-              <a:t>6</a:t>
+              <a:t>4</a:t>
             </a:r>
             <a:r>
               <a:rPr kumimoji="1" lang="en-US" altLang="ja-JP" sz="1000" dirty="0" smtClean="0"/>
-              <a:t>-1</a:t>
-            </a:r>
-            <a:endParaRPr kumimoji="1" lang="ja-JP" altLang="en-US" sz="1000" dirty="0"/>
-          </a:p>
-        </p:txBody>
-      </p:sp>
-      <p:sp>
-        <p:nvSpPr>
-          <p:cNvPr id="127" name="TextBox 126"/>
-          <p:cNvSpPr txBox="1"/>
-          <p:nvPr/>
-        </p:nvSpPr>
-        <p:spPr>
-          <a:xfrm>
-            <a:off x="3250848" y="6623434"/>
-            <a:ext cx="544528" cy="246221"/>
-          </a:xfrm>
-          <a:prstGeom prst="rect">
-            <a:avLst/>
-          </a:prstGeom>
-          <a:noFill/>
-        </p:spPr>
-        <p:txBody>
-          <a:bodyPr wrap="none" rtlCol="0">
-            <a:spAutoFit/>
-          </a:bodyPr>
-          <a:lstStyle/>
-          <a:p>
-            <a:r>
-              <a:rPr kumimoji="1" lang="en-US" altLang="ja-JP" sz="1000" dirty="0" smtClean="0"/>
-              <a:t>Logout</a:t>
+              <a:t>-2</a:t>
             </a:r>
             <a:endParaRPr kumimoji="1" lang="ja-JP" altLang="en-US" sz="1000" dirty="0"/>
           </a:p>
@@ -14961,14 +14483,14 @@
       </p:sp>
       <p:cxnSp>
         <p:nvCxnSpPr>
-          <p:cNvPr id="128" name="Straight Arrow Connector 127"/>
+          <p:cNvPr id="75" name="Straight Arrow Connector 74"/>
           <p:cNvCxnSpPr/>
           <p:nvPr/>
         </p:nvCxnSpPr>
         <p:spPr>
           <a:xfrm>
-            <a:off x="2696471" y="5920885"/>
-            <a:ext cx="557784" cy="0"/>
+            <a:off x="3875483" y="3487726"/>
+            <a:ext cx="869202" cy="0"/>
           </a:xfrm>
           <a:prstGeom prst="straightConnector1">
             <a:avLst/>
@@ -14996,63 +14518,16 @@
           </a:fontRef>
         </p:style>
       </p:cxnSp>
-      <p:sp useBgFill="1">
-        <p:nvSpPr>
-          <p:cNvPr id="129" name="Rectangle 128"/>
-          <p:cNvSpPr/>
-          <p:nvPr/>
-        </p:nvSpPr>
-        <p:spPr>
-          <a:xfrm>
-            <a:off x="3254255" y="5787837"/>
-            <a:ext cx="598646" cy="290286"/>
-          </a:xfrm>
-          <a:prstGeom prst="rect">
-            <a:avLst/>
-          </a:prstGeom>
-          <a:ln/>
-        </p:spPr>
-        <p:style>
-          <a:lnRef idx="2">
-            <a:schemeClr val="dk1"/>
-          </a:lnRef>
-          <a:fillRef idx="1">
-            <a:schemeClr val="lt1"/>
-          </a:fillRef>
-          <a:effectRef idx="0">
-            <a:schemeClr val="dk1"/>
-          </a:effectRef>
-          <a:fontRef idx="minor">
-            <a:schemeClr val="dk1"/>
-          </a:fontRef>
-        </p:style>
-        <p:txBody>
-          <a:bodyPr rtlCol="0" anchor="ctr"/>
-          <a:lstStyle/>
-          <a:p>
-            <a:pPr algn="ctr"/>
-            <a:r>
-              <a:rPr kumimoji="1" lang="en-US" altLang="ja-JP" sz="1000" dirty="0"/>
-              <a:t>S</a:t>
-            </a:r>
-            <a:r>
-              <a:rPr kumimoji="1" lang="en-US" altLang="ja-JP" sz="1000" dirty="0" smtClean="0"/>
-              <a:t>-5-1</a:t>
-            </a:r>
-            <a:endParaRPr kumimoji="1" lang="ja-JP" altLang="en-US" sz="1000" dirty="0"/>
-          </a:p>
-        </p:txBody>
-      </p:sp>
-      <p:sp>
-        <p:nvSpPr>
-          <p:cNvPr id="130" name="TextBox 129"/>
+      <p:sp>
+        <p:nvSpPr>
+          <p:cNvPr id="76" name="TextBox 75"/>
           <p:cNvSpPr txBox="1"/>
           <p:nvPr/>
         </p:nvSpPr>
         <p:spPr>
           <a:xfrm>
-            <a:off x="3250848" y="6078123"/>
-            <a:ext cx="535135" cy="246221"/>
+            <a:off x="4777678" y="3669033"/>
+            <a:ext cx="688052" cy="246221"/>
           </a:xfrm>
           <a:prstGeom prst="rect">
             <a:avLst/>
@@ -15060,400 +14535,14 @@
           <a:noFill/>
         </p:spPr>
         <p:txBody>
-          <a:bodyPr wrap="none" rtlCol="0">
+          <a:bodyPr wrap="square" rtlCol="0">
             <a:spAutoFit/>
           </a:bodyPr>
           <a:lstStyle/>
           <a:p>
             <a:r>
               <a:rPr kumimoji="1" lang="en-US" altLang="ja-JP" sz="1000" dirty="0" smtClean="0"/>
-              <a:t>Search</a:t>
-            </a:r>
-            <a:endParaRPr kumimoji="1" lang="ja-JP" altLang="en-US" sz="1000" dirty="0"/>
-          </a:p>
-        </p:txBody>
-      </p:sp>
-      <p:cxnSp>
-        <p:nvCxnSpPr>
-          <p:cNvPr id="131" name="Straight Arrow Connector 130"/>
-          <p:cNvCxnSpPr/>
-          <p:nvPr/>
-        </p:nvCxnSpPr>
-        <p:spPr>
-          <a:xfrm>
-            <a:off x="898664" y="667658"/>
-            <a:ext cx="557784" cy="0"/>
-          </a:xfrm>
-          <a:prstGeom prst="straightConnector1">
-            <a:avLst/>
-          </a:prstGeom>
-          <a:ln>
-            <a:solidFill>
-              <a:schemeClr val="tx1"/>
-            </a:solidFill>
-            <a:tailEnd type="arrow"/>
-          </a:ln>
-          <a:effectLst/>
-        </p:spPr>
-        <p:style>
-          <a:lnRef idx="2">
-            <a:schemeClr val="accent1"/>
-          </a:lnRef>
-          <a:fillRef idx="0">
-            <a:schemeClr val="accent1"/>
-          </a:fillRef>
-          <a:effectRef idx="1">
-            <a:schemeClr val="accent1"/>
-          </a:effectRef>
-          <a:fontRef idx="minor">
-            <a:schemeClr val="tx1"/>
-          </a:fontRef>
-        </p:style>
-      </p:cxnSp>
-      <p:sp useBgFill="1">
-        <p:nvSpPr>
-          <p:cNvPr id="132" name="Rectangle 131"/>
-          <p:cNvSpPr/>
-          <p:nvPr/>
-        </p:nvSpPr>
-        <p:spPr>
-          <a:xfrm>
-            <a:off x="1456448" y="534610"/>
-            <a:ext cx="598646" cy="290286"/>
-          </a:xfrm>
-          <a:prstGeom prst="rect">
-            <a:avLst/>
-          </a:prstGeom>
-          <a:ln/>
-        </p:spPr>
-        <p:style>
-          <a:lnRef idx="2">
-            <a:schemeClr val="dk1"/>
-          </a:lnRef>
-          <a:fillRef idx="1">
-            <a:schemeClr val="lt1"/>
-          </a:fillRef>
-          <a:effectRef idx="0">
-            <a:schemeClr val="dk1"/>
-          </a:effectRef>
-          <a:fontRef idx="minor">
-            <a:schemeClr val="dk1"/>
-          </a:fontRef>
-        </p:style>
-        <p:txBody>
-          <a:bodyPr rtlCol="0" anchor="ctr"/>
-          <a:lstStyle/>
-          <a:p>
-            <a:pPr algn="ctr"/>
-            <a:r>
-              <a:rPr kumimoji="1" lang="en-US" altLang="ja-JP" sz="1000" dirty="0"/>
-              <a:t>S</a:t>
-            </a:r>
-            <a:r>
-              <a:rPr kumimoji="1" lang="en-US" altLang="ja-JP" sz="1000" dirty="0" smtClean="0"/>
-              <a:t>-1-</a:t>
-            </a:r>
-            <a:r>
-              <a:rPr kumimoji="1" lang="en-US" altLang="ja-JP" sz="1000" dirty="0"/>
-              <a:t>2</a:t>
-            </a:r>
-            <a:endParaRPr kumimoji="1" lang="ja-JP" altLang="en-US" sz="1000" dirty="0"/>
-          </a:p>
-        </p:txBody>
-      </p:sp>
-      <p:sp>
-        <p:nvSpPr>
-          <p:cNvPr id="133" name="TextBox 132"/>
-          <p:cNvSpPr txBox="1"/>
-          <p:nvPr/>
-        </p:nvSpPr>
-        <p:spPr>
-          <a:xfrm>
-            <a:off x="1453041" y="824896"/>
-            <a:ext cx="463376" cy="246221"/>
-          </a:xfrm>
-          <a:prstGeom prst="rect">
-            <a:avLst/>
-          </a:prstGeom>
-          <a:noFill/>
-        </p:spPr>
-        <p:txBody>
-          <a:bodyPr wrap="none" rtlCol="0">
-            <a:spAutoFit/>
-          </a:bodyPr>
-          <a:lstStyle/>
-          <a:p>
-            <a:r>
-              <a:rPr kumimoji="1" lang="en-US" altLang="ja-JP" sz="1000" dirty="0"/>
-              <a:t>Login</a:t>
-            </a:r>
-            <a:endParaRPr kumimoji="1" lang="ja-JP" altLang="en-US" sz="1000" dirty="0"/>
-          </a:p>
-        </p:txBody>
-      </p:sp>
-      <p:cxnSp>
-        <p:nvCxnSpPr>
-          <p:cNvPr id="138" name="Straight Connector 137"/>
-          <p:cNvCxnSpPr/>
-          <p:nvPr/>
-        </p:nvCxnSpPr>
-        <p:spPr>
-          <a:xfrm>
-            <a:off x="4143724" y="1289918"/>
-            <a:ext cx="20482" cy="1240840"/>
-          </a:xfrm>
-          <a:prstGeom prst="line">
-            <a:avLst/>
-          </a:prstGeom>
-          <a:ln>
-            <a:solidFill>
-              <a:schemeClr val="tx1"/>
-            </a:solidFill>
-          </a:ln>
-          <a:effectLst/>
-        </p:spPr>
-        <p:style>
-          <a:lnRef idx="2">
-            <a:schemeClr val="accent1"/>
-          </a:lnRef>
-          <a:fillRef idx="0">
-            <a:schemeClr val="accent1"/>
-          </a:fillRef>
-          <a:effectRef idx="1">
-            <a:schemeClr val="accent1"/>
-          </a:effectRef>
-          <a:fontRef idx="minor">
-            <a:schemeClr val="tx1"/>
-          </a:fontRef>
-        </p:style>
-      </p:cxnSp>
-      <p:cxnSp>
-        <p:nvCxnSpPr>
-          <p:cNvPr id="139" name="Straight Arrow Connector 138"/>
-          <p:cNvCxnSpPr/>
-          <p:nvPr/>
-        </p:nvCxnSpPr>
-        <p:spPr>
-          <a:xfrm>
-            <a:off x="4168566" y="1949185"/>
-            <a:ext cx="557784" cy="0"/>
-          </a:xfrm>
-          <a:prstGeom prst="straightConnector1">
-            <a:avLst/>
-          </a:prstGeom>
-          <a:ln>
-            <a:solidFill>
-              <a:schemeClr val="tx1"/>
-            </a:solidFill>
-            <a:tailEnd type="arrow"/>
-          </a:ln>
-          <a:effectLst/>
-        </p:spPr>
-        <p:style>
-          <a:lnRef idx="2">
-            <a:schemeClr val="accent1"/>
-          </a:lnRef>
-          <a:fillRef idx="0">
-            <a:schemeClr val="accent1"/>
-          </a:fillRef>
-          <a:effectRef idx="1">
-            <a:schemeClr val="accent1"/>
-          </a:effectRef>
-          <a:fontRef idx="minor">
-            <a:schemeClr val="tx1"/>
-          </a:fontRef>
-        </p:style>
-      </p:cxnSp>
-      <p:sp useBgFill="1">
-        <p:nvSpPr>
-          <p:cNvPr id="140" name="Rectangle 139"/>
-          <p:cNvSpPr/>
-          <p:nvPr/>
-        </p:nvSpPr>
-        <p:spPr>
-          <a:xfrm>
-            <a:off x="4726350" y="1804042"/>
-            <a:ext cx="598646" cy="290286"/>
-          </a:xfrm>
-          <a:prstGeom prst="rect">
-            <a:avLst/>
-          </a:prstGeom>
-          <a:ln/>
-        </p:spPr>
-        <p:style>
-          <a:lnRef idx="2">
-            <a:schemeClr val="dk1"/>
-          </a:lnRef>
-          <a:fillRef idx="1">
-            <a:schemeClr val="lt1"/>
-          </a:fillRef>
-          <a:effectRef idx="0">
-            <a:schemeClr val="dk1"/>
-          </a:effectRef>
-          <a:fontRef idx="minor">
-            <a:schemeClr val="dk1"/>
-          </a:fontRef>
-        </p:style>
-        <p:txBody>
-          <a:bodyPr rtlCol="0" anchor="ctr"/>
-          <a:lstStyle/>
-          <a:p>
-            <a:pPr algn="ctr"/>
-            <a:r>
-              <a:rPr kumimoji="1" lang="en-US" altLang="ja-JP" sz="1000" dirty="0"/>
-              <a:t>S-3</a:t>
-            </a:r>
-            <a:r>
-              <a:rPr kumimoji="1" lang="en-US" altLang="ja-JP" sz="1000" dirty="0" smtClean="0"/>
-              <a:t>-9</a:t>
-            </a:r>
-            <a:endParaRPr kumimoji="1" lang="ja-JP" altLang="en-US" sz="1000" dirty="0"/>
-          </a:p>
-        </p:txBody>
-      </p:sp>
-      <p:sp>
-        <p:nvSpPr>
-          <p:cNvPr id="141" name="TextBox 140"/>
-          <p:cNvSpPr txBox="1"/>
-          <p:nvPr/>
-        </p:nvSpPr>
-        <p:spPr>
-          <a:xfrm>
-            <a:off x="4797626" y="2128452"/>
-            <a:ext cx="529750" cy="246221"/>
-          </a:xfrm>
-          <a:prstGeom prst="rect">
-            <a:avLst/>
-          </a:prstGeom>
-          <a:noFill/>
-        </p:spPr>
-        <p:txBody>
-          <a:bodyPr wrap="none" rtlCol="0">
-            <a:spAutoFit/>
-          </a:bodyPr>
-          <a:lstStyle/>
-          <a:p>
-            <a:r>
-              <a:rPr kumimoji="1" lang="en-US" altLang="ja-JP" sz="1000" dirty="0" smtClean="0"/>
-              <a:t>Create</a:t>
-            </a:r>
-            <a:endParaRPr kumimoji="1" lang="ja-JP" altLang="en-US" sz="1000" dirty="0"/>
-          </a:p>
-        </p:txBody>
-      </p:sp>
-      <p:cxnSp>
-        <p:nvCxnSpPr>
-          <p:cNvPr id="142" name="Straight Arrow Connector 141"/>
-          <p:cNvCxnSpPr/>
-          <p:nvPr/>
-        </p:nvCxnSpPr>
-        <p:spPr>
-          <a:xfrm flipV="1">
-            <a:off x="4164206" y="2527073"/>
-            <a:ext cx="590890" cy="9423"/>
-          </a:xfrm>
-          <a:prstGeom prst="straightConnector1">
-            <a:avLst/>
-          </a:prstGeom>
-          <a:ln>
-            <a:solidFill>
-              <a:schemeClr val="tx1"/>
-            </a:solidFill>
-            <a:tailEnd type="arrow"/>
-          </a:ln>
-          <a:effectLst/>
-        </p:spPr>
-        <p:style>
-          <a:lnRef idx="2">
-            <a:schemeClr val="accent1"/>
-          </a:lnRef>
-          <a:fillRef idx="0">
-            <a:schemeClr val="accent1"/>
-          </a:fillRef>
-          <a:effectRef idx="1">
-            <a:schemeClr val="accent1"/>
-          </a:effectRef>
-          <a:fontRef idx="minor">
-            <a:schemeClr val="tx1"/>
-          </a:fontRef>
-        </p:style>
-      </p:cxnSp>
-      <p:sp useBgFill="1">
-        <p:nvSpPr>
-          <p:cNvPr id="143" name="Rectangle 142"/>
-          <p:cNvSpPr/>
-          <p:nvPr/>
-        </p:nvSpPr>
-        <p:spPr>
-          <a:xfrm>
-            <a:off x="4755096" y="2381930"/>
-            <a:ext cx="598646" cy="290286"/>
-          </a:xfrm>
-          <a:prstGeom prst="rect">
-            <a:avLst/>
-          </a:prstGeom>
-          <a:ln/>
-        </p:spPr>
-        <p:style>
-          <a:lnRef idx="2">
-            <a:schemeClr val="dk1"/>
-          </a:lnRef>
-          <a:fillRef idx="1">
-            <a:schemeClr val="lt1"/>
-          </a:fillRef>
-          <a:effectRef idx="0">
-            <a:schemeClr val="dk1"/>
-          </a:effectRef>
-          <a:fontRef idx="minor">
-            <a:schemeClr val="dk1"/>
-          </a:fontRef>
-        </p:style>
-        <p:txBody>
-          <a:bodyPr rtlCol="0" anchor="ctr"/>
-          <a:lstStyle/>
-          <a:p>
-            <a:pPr algn="ctr"/>
-            <a:r>
-              <a:rPr kumimoji="1" lang="en-US" altLang="ja-JP" sz="1000" dirty="0"/>
-              <a:t>S-3</a:t>
-            </a:r>
-            <a:r>
-              <a:rPr kumimoji="1" lang="en-US" altLang="ja-JP" sz="1000" dirty="0" smtClean="0"/>
-              <a:t>-10</a:t>
-            </a:r>
-            <a:endParaRPr kumimoji="1" lang="ja-JP" altLang="en-US" sz="1000" dirty="0"/>
-          </a:p>
-        </p:txBody>
-      </p:sp>
-      <p:sp>
-        <p:nvSpPr>
-          <p:cNvPr id="144" name="TextBox 143"/>
-          <p:cNvSpPr txBox="1"/>
-          <p:nvPr/>
-        </p:nvSpPr>
-        <p:spPr>
-          <a:xfrm>
-            <a:off x="4826372" y="2706340"/>
-            <a:ext cx="535135" cy="246221"/>
-          </a:xfrm>
-          <a:prstGeom prst="rect">
-            <a:avLst/>
-          </a:prstGeom>
-          <a:noFill/>
-        </p:spPr>
-        <p:txBody>
-          <a:bodyPr wrap="none" rtlCol="0">
-            <a:spAutoFit/>
-          </a:bodyPr>
-          <a:lstStyle/>
-          <a:p>
-            <a:r>
-              <a:rPr kumimoji="1" lang="en-US" altLang="ja-JP" sz="1000" dirty="0"/>
-              <a:t>S</a:t>
-            </a:r>
-            <a:r>
-              <a:rPr kumimoji="1" lang="en-US" altLang="ja-JP" sz="1000" dirty="0" smtClean="0"/>
-              <a:t>earch</a:t>
+              <a:t>Update</a:t>
             </a:r>
             <a:endParaRPr kumimoji="1" lang="ja-JP" altLang="en-US" sz="1000" dirty="0"/>
           </a:p>
@@ -18829,12 +17918,16 @@
           <a:lstStyle/>
           <a:p>
             <a:r>
-              <a:rPr kumimoji="1" lang="en-US" altLang="ja-JP" dirty="0"/>
+              <a:rPr kumimoji="1" lang="en-US" altLang="ja-JP"/>
               <a:t>S</a:t>
             </a:r>
             <a:r>
+              <a:rPr kumimoji="1" lang="en-US" altLang="ja-JP" smtClean="0"/>
+              <a:t>-3-</a:t>
+            </a:r>
+            <a:r>
               <a:rPr kumimoji="1" lang="en-US" altLang="ja-JP" dirty="0" smtClean="0"/>
-              <a:t>-2-1 Home</a:t>
+              <a:t>1 Home</a:t>
             </a:r>
             <a:endParaRPr kumimoji="1" lang="ja-JP" altLang="en-US" dirty="0"/>
           </a:p>
@@ -21938,11 +21031,7 @@
             </a:r>
             <a:r>
               <a:rPr kumimoji="1" lang="en-US" altLang="ja-JP" sz="1050" dirty="0" smtClean="0"/>
-              <a:t>/posts/</a:t>
-            </a:r>
-            <a:r>
-              <a:rPr kumimoji="1" lang="en-US" altLang="ja-JP" sz="1050" dirty="0" smtClean="0"/>
-              <a:t>1</a:t>
+              <a:t>/posts/1</a:t>
             </a:r>
             <a:endParaRPr kumimoji="1" lang="ja-JP" altLang="en-US" sz="1050" dirty="0"/>
           </a:p>
@@ -21957,14 +21046,14 @@
           <p:nvPr>
             <p:extLst>
               <p:ext uri="{D42A27DB-BD31-4B8C-83A1-F6EECF244321}">
-                <p14:modId xmlns:p14="http://schemas.microsoft.com/office/powerpoint/2010/main" val="2457703402"/>
+                <p14:modId xmlns:p14="http://schemas.microsoft.com/office/powerpoint/2010/main" val="2979652882"/>
               </p:ext>
             </p:extLst>
           </p:nvPr>
         </p:nvGraphicFramePr>
         <p:xfrm>
           <a:off x="5173132" y="869583"/>
-          <a:ext cx="3903137" cy="5182862"/>
+          <a:ext cx="3903137" cy="4855780"/>
         </p:xfrm>
         <a:graphic>
           <a:graphicData uri="http://schemas.openxmlformats.org/drawingml/2006/table">
@@ -22703,7 +21792,11 @@
                     <a:p>
                       <a:r>
                         <a:rPr kumimoji="1" lang="en-US" altLang="ja-JP" sz="1000" dirty="0" smtClean="0"/>
-                        <a:t>S-3-8</a:t>
+                        <a:t>S-3</a:t>
+                      </a:r>
+                      <a:r>
+                        <a:rPr kumimoji="1" lang="en-US" altLang="ja-JP" sz="1000" dirty="0" smtClean="0"/>
+                        <a:t>-7</a:t>
                       </a:r>
                       <a:endParaRPr kumimoji="1" lang="ja-JP" altLang="en-US" sz="1000" dirty="0"/>
                     </a:p>
@@ -22804,12 +21897,12 @@
                     <a:lstStyle/>
                     <a:p>
                       <a:r>
+                        <a:rPr kumimoji="1" lang="en-US" altLang="ja-JP" sz="1000" dirty="0" smtClean="0"/>
+                        <a:t>Edit </a:t>
+                      </a:r>
+                      <a:r>
                         <a:rPr kumimoji="1" lang="en-US" altLang="ja-JP" sz="1000" dirty="0" err="1" smtClean="0"/>
-                        <a:t>Deactive</a:t>
-                      </a:r>
-                      <a:r>
-                        <a:rPr kumimoji="1" lang="en-US" altLang="ja-JP" sz="1000" baseline="0" dirty="0" smtClean="0"/>
-                        <a:t> Posts</a:t>
+                        <a:t>Comemnts</a:t>
                       </a:r>
                       <a:endParaRPr kumimoji="1" lang="ja-JP" altLang="en-US" sz="1000" dirty="0"/>
                     </a:p>
@@ -22831,23 +21924,19 @@
                     <a:bodyPr/>
                     <a:lstStyle/>
                     <a:p>
+                      <a:endParaRPr kumimoji="1" lang="ja-JP" altLang="en-US" sz="1000" dirty="0"/>
+                    </a:p>
+                  </a:txBody>
+                  <a:tcPr/>
+                </a:tc>
+                <a:tc>
+                  <a:txBody>
+                    <a:bodyPr/>
+                    <a:lstStyle/>
+                    <a:p>
                       <a:r>
                         <a:rPr kumimoji="1" lang="en-US" altLang="ja-JP" sz="1000" dirty="0" smtClean="0"/>
-                        <a:t>Hide posts</a:t>
-                      </a:r>
-                      <a:endParaRPr kumimoji="1" lang="ja-JP" altLang="en-US" sz="1000" dirty="0"/>
-                    </a:p>
-                  </a:txBody>
-                  <a:tcPr/>
-                </a:tc>
-                <a:tc>
-                  <a:txBody>
-                    <a:bodyPr/>
-                    <a:lstStyle/>
-                    <a:p>
-                      <a:r>
-                        <a:rPr kumimoji="1" lang="en-US" altLang="ja-JP" sz="1000" dirty="0" smtClean="0"/>
-                        <a:t>S-3-7</a:t>
+                        <a:t>S-3-4</a:t>
                       </a:r>
                       <a:endParaRPr kumimoji="1" lang="ja-JP" altLang="en-US" sz="1000" dirty="0"/>
                     </a:p>
@@ -22877,11 +21966,7 @@
                     <a:p>
                       <a:r>
                         <a:rPr kumimoji="1" lang="en-US" altLang="ja-JP" sz="1000" dirty="0" smtClean="0"/>
-                        <a:t>Edit </a:t>
-                      </a:r>
-                      <a:r>
-                        <a:rPr kumimoji="1" lang="en-US" altLang="ja-JP" sz="1000" dirty="0" err="1" smtClean="0"/>
-                        <a:t>Comemnts</a:t>
+                        <a:t>Delete Comments</a:t>
                       </a:r>
                       <a:endParaRPr kumimoji="1" lang="ja-JP" altLang="en-US" sz="1000" dirty="0"/>
                     </a:p>
@@ -22903,7 +21988,7 @@
                     <a:bodyPr/>
                     <a:lstStyle/>
                     <a:p>
-                      <a:endParaRPr kumimoji="1" lang="ja-JP" altLang="en-US" sz="1000" dirty="0"/>
+                      <a:endParaRPr kumimoji="1" lang="ja-JP" altLang="en-US" sz="1000"/>
                     </a:p>
                   </a:txBody>
                   <a:tcPr/>
@@ -22915,7 +22000,7 @@
                     <a:p>
                       <a:r>
                         <a:rPr kumimoji="1" lang="en-US" altLang="ja-JP" sz="1000" dirty="0" smtClean="0"/>
-                        <a:t>S-3-4</a:t>
+                        <a:t>S-3-5</a:t>
                       </a:r>
                       <a:endParaRPr kumimoji="1" lang="ja-JP" altLang="en-US" sz="1000" dirty="0"/>
                     </a:p>
@@ -22932,70 +22017,6 @@
                       <a:r>
                         <a:rPr kumimoji="1" lang="en-US" altLang="ja-JP" sz="1000" dirty="0" smtClean="0"/>
                         <a:t>13</a:t>
-                      </a:r>
-                      <a:endParaRPr kumimoji="1" lang="ja-JP" altLang="en-US" sz="1000" dirty="0"/>
-                    </a:p>
-                  </a:txBody>
-                  <a:tcPr/>
-                </a:tc>
-                <a:tc>
-                  <a:txBody>
-                    <a:bodyPr/>
-                    <a:lstStyle/>
-                    <a:p>
-                      <a:r>
-                        <a:rPr kumimoji="1" lang="en-US" altLang="ja-JP" sz="1000" dirty="0" smtClean="0"/>
-                        <a:t>Delete Comments</a:t>
-                      </a:r>
-                      <a:endParaRPr kumimoji="1" lang="ja-JP" altLang="en-US" sz="1000" dirty="0"/>
-                    </a:p>
-                  </a:txBody>
-                  <a:tcPr/>
-                </a:tc>
-                <a:tc>
-                  <a:txBody>
-                    <a:bodyPr/>
-                    <a:lstStyle/>
-                    <a:p>
-                      <a:endParaRPr kumimoji="1" lang="ja-JP" altLang="en-US" sz="1000"/>
-                    </a:p>
-                  </a:txBody>
-                  <a:tcPr/>
-                </a:tc>
-                <a:tc>
-                  <a:txBody>
-                    <a:bodyPr/>
-                    <a:lstStyle/>
-                    <a:p>
-                      <a:endParaRPr kumimoji="1" lang="ja-JP" altLang="en-US" sz="1000"/>
-                    </a:p>
-                  </a:txBody>
-                  <a:tcPr/>
-                </a:tc>
-                <a:tc>
-                  <a:txBody>
-                    <a:bodyPr/>
-                    <a:lstStyle/>
-                    <a:p>
-                      <a:r>
-                        <a:rPr kumimoji="1" lang="en-US" altLang="ja-JP" sz="1000" dirty="0" smtClean="0"/>
-                        <a:t>S-3-5</a:t>
-                      </a:r>
-                      <a:endParaRPr kumimoji="1" lang="ja-JP" altLang="en-US" sz="1000" dirty="0"/>
-                    </a:p>
-                  </a:txBody>
-                  <a:tcPr/>
-                </a:tc>
-              </a:tr>
-              <a:tr h="327082">
-                <a:tc>
-                  <a:txBody>
-                    <a:bodyPr/>
-                    <a:lstStyle/>
-                    <a:p>
-                      <a:r>
-                        <a:rPr kumimoji="1" lang="en-US" altLang="ja-JP" sz="1000" dirty="0" smtClean="0"/>
-                        <a:t>14</a:t>
                       </a:r>
                       <a:endParaRPr kumimoji="1" lang="ja-JP" altLang="en-US" sz="1000" dirty="0"/>
                     </a:p>
@@ -23155,7 +22176,15 @@
                   <a:srgbClr val="FF0000"/>
                 </a:solidFill>
               </a:rPr>
-              <a:t>(14)</a:t>
+              <a:t>(</a:t>
+            </a:r>
+            <a:r>
+              <a:rPr kumimoji="1" lang="en-US" altLang="ja-JP" sz="1000" dirty="0" smtClean="0">
+                <a:solidFill>
+                  <a:srgbClr val="FF0000"/>
+                </a:solidFill>
+              </a:rPr>
+              <a:t>13)</a:t>
             </a:r>
             <a:endParaRPr kumimoji="1" lang="ja-JP" altLang="en-US" sz="1000" dirty="0">
               <a:solidFill>
@@ -23958,14 +22987,14 @@
       </p:sp>
       <p:sp>
         <p:nvSpPr>
-          <p:cNvPr id="73" name="Rectangle 72"/>
+          <p:cNvPr id="74" name="Rectangle 73"/>
           <p:cNvSpPr/>
           <p:nvPr/>
         </p:nvSpPr>
         <p:spPr>
           <a:xfrm rot="10800000" flipV="1">
-            <a:off x="3815332" y="2808867"/>
-            <a:ext cx="563627" cy="193663"/>
+            <a:off x="3551763" y="4894917"/>
+            <a:ext cx="472549" cy="204977"/>
           </a:xfrm>
           <a:prstGeom prst="rect">
             <a:avLst/>
@@ -23991,8 +23020,8 @@
           <a:p>
             <a:pPr algn="ctr"/>
             <a:r>
-              <a:rPr lang="en-US" sz="800" dirty="0" err="1" smtClean="0"/>
-              <a:t>deactive</a:t>
+              <a:rPr lang="en-US" sz="800" dirty="0" smtClean="0"/>
+              <a:t>edit</a:t>
             </a:r>
             <a:endParaRPr lang="en-US" sz="800" dirty="0"/>
           </a:p>
@@ -24000,13 +23029,13 @@
       </p:sp>
       <p:sp>
         <p:nvSpPr>
-          <p:cNvPr id="74" name="Rectangle 73"/>
+          <p:cNvPr id="75" name="Rectangle 74"/>
           <p:cNvSpPr/>
           <p:nvPr/>
         </p:nvSpPr>
         <p:spPr>
           <a:xfrm rot="10800000" flipV="1">
-            <a:off x="3551763" y="4894917"/>
+            <a:off x="4030517" y="4894917"/>
             <a:ext cx="472549" cy="204977"/>
           </a:xfrm>
           <a:prstGeom prst="rect">
@@ -24034,48 +23063,6 @@
             <a:pPr algn="ctr"/>
             <a:r>
               <a:rPr lang="en-US" sz="800" dirty="0" smtClean="0"/>
-              <a:t>edit</a:t>
-            </a:r>
-            <a:endParaRPr lang="en-US" sz="800" dirty="0"/>
-          </a:p>
-        </p:txBody>
-      </p:sp>
-      <p:sp>
-        <p:nvSpPr>
-          <p:cNvPr id="75" name="Rectangle 74"/>
-          <p:cNvSpPr/>
-          <p:nvPr/>
-        </p:nvSpPr>
-        <p:spPr>
-          <a:xfrm rot="10800000" flipV="1">
-            <a:off x="4030517" y="4894917"/>
-            <a:ext cx="472549" cy="204977"/>
-          </a:xfrm>
-          <a:prstGeom prst="rect">
-            <a:avLst/>
-          </a:prstGeom>
-        </p:spPr>
-        <p:style>
-          <a:lnRef idx="1">
-            <a:schemeClr val="accent1"/>
-          </a:lnRef>
-          <a:fillRef idx="3">
-            <a:schemeClr val="accent1"/>
-          </a:fillRef>
-          <a:effectRef idx="2">
-            <a:schemeClr val="accent1"/>
-          </a:effectRef>
-          <a:fontRef idx="minor">
-            <a:schemeClr val="lt1"/>
-          </a:fontRef>
-        </p:style>
-        <p:txBody>
-          <a:bodyPr rtlCol="0" anchor="ctr"/>
-          <a:lstStyle/>
-          <a:p>
-            <a:pPr algn="ctr"/>
-            <a:r>
-              <a:rPr lang="en-US" sz="800" dirty="0" smtClean="0"/>
               <a:t>delete</a:t>
             </a:r>
             <a:endParaRPr lang="en-US" sz="800" dirty="0"/>
@@ -24110,7 +23097,15 @@
                   <a:srgbClr val="FF0000"/>
                 </a:solidFill>
               </a:rPr>
-              <a:t>(12)</a:t>
+              <a:t>(</a:t>
+            </a:r>
+            <a:r>
+              <a:rPr kumimoji="1" lang="en-US" altLang="ja-JP" sz="1000" dirty="0" smtClean="0">
+                <a:solidFill>
+                  <a:srgbClr val="FF0000"/>
+                </a:solidFill>
+              </a:rPr>
+              <a:t>11)</a:t>
             </a:r>
             <a:endParaRPr kumimoji="1" lang="ja-JP" altLang="en-US" sz="1000" dirty="0">
               <a:solidFill>
@@ -24160,13 +23155,13 @@
       </p:sp>
       <p:sp>
         <p:nvSpPr>
-          <p:cNvPr id="80" name="TextBox 79"/>
+          <p:cNvPr id="81" name="TextBox 80"/>
           <p:cNvSpPr txBox="1"/>
           <p:nvPr/>
         </p:nvSpPr>
         <p:spPr>
           <a:xfrm>
-            <a:off x="3895452" y="2529076"/>
+            <a:off x="4110636" y="5136854"/>
             <a:ext cx="392430" cy="246221"/>
           </a:xfrm>
           <a:prstGeom prst="rect">
@@ -24186,45 +23181,15 @@
                   <a:srgbClr val="FF0000"/>
                 </a:solidFill>
               </a:rPr>
-              <a:t>(11)</a:t>
-            </a:r>
-            <a:endParaRPr kumimoji="1" lang="ja-JP" altLang="en-US" sz="1000" dirty="0">
-              <a:solidFill>
-                <a:srgbClr val="FF0000"/>
-              </a:solidFill>
-            </a:endParaRPr>
-          </a:p>
-        </p:txBody>
-      </p:sp>
-      <p:sp>
-        <p:nvSpPr>
-          <p:cNvPr id="81" name="TextBox 80"/>
-          <p:cNvSpPr txBox="1"/>
-          <p:nvPr/>
-        </p:nvSpPr>
-        <p:spPr>
-          <a:xfrm>
-            <a:off x="4110636" y="5136854"/>
-            <a:ext cx="392430" cy="246221"/>
-          </a:xfrm>
-          <a:prstGeom prst="rect">
-            <a:avLst/>
-          </a:prstGeom>
-          <a:noFill/>
-        </p:spPr>
-        <p:txBody>
-          <a:bodyPr wrap="none" rtlCol="0">
-            <a:spAutoFit/>
-          </a:bodyPr>
-          <a:lstStyle/>
-          <a:p>
+              <a:t>(</a:t>
+            </a:r>
             <a:r>
               <a:rPr kumimoji="1" lang="en-US" altLang="ja-JP" sz="1000" dirty="0" smtClean="0">
                 <a:solidFill>
                   <a:srgbClr val="FF0000"/>
                 </a:solidFill>
               </a:rPr>
-              <a:t>(13)</a:t>
+              <a:t>12)</a:t>
             </a:r>
             <a:endParaRPr kumimoji="1" lang="ja-JP" altLang="en-US" sz="1000" dirty="0">
               <a:solidFill>
@@ -24329,15 +23294,7 @@
             </a:r>
             <a:r>
               <a:rPr kumimoji="1" lang="en-US" altLang="ja-JP" dirty="0" smtClean="0"/>
-              <a:t>-</a:t>
-            </a:r>
-            <a:r>
-              <a:rPr kumimoji="1" lang="en-US" altLang="ja-JP" dirty="0" smtClean="0"/>
-              <a:t>4-1</a:t>
-            </a:r>
-            <a:r>
-              <a:rPr kumimoji="1" lang="en-US" altLang="ja-JP" dirty="0" smtClean="0"/>
-              <a:t> Profile</a:t>
+              <a:t>-4-1 Profile</a:t>
             </a:r>
             <a:endParaRPr kumimoji="1" lang="ja-JP" altLang="en-US" dirty="0"/>
           </a:p>
@@ -24705,11 +23662,7 @@
             </a:r>
             <a:r>
               <a:rPr kumimoji="1" lang="en-US" altLang="ja-JP" sz="1050" dirty="0" smtClean="0"/>
-              <a:t>/account/</a:t>
-            </a:r>
-            <a:r>
-              <a:rPr kumimoji="1" lang="en-US" altLang="ja-JP" sz="1050" dirty="0" smtClean="0"/>
-              <a:t>1</a:t>
+              <a:t>/account/1</a:t>
             </a:r>
             <a:endParaRPr kumimoji="1" lang="ja-JP" altLang="en-US" sz="1050" dirty="0"/>
           </a:p>
@@ -24724,14 +23677,14 @@
           <p:nvPr>
             <p:extLst>
               <p:ext uri="{D42A27DB-BD31-4B8C-83A1-F6EECF244321}">
-                <p14:modId xmlns:p14="http://schemas.microsoft.com/office/powerpoint/2010/main" val="2369056545"/>
+                <p14:modId xmlns:p14="http://schemas.microsoft.com/office/powerpoint/2010/main" val="3608228985"/>
               </p:ext>
             </p:extLst>
           </p:nvPr>
         </p:nvGraphicFramePr>
         <p:xfrm>
           <a:off x="5173132" y="869583"/>
-          <a:ext cx="3903137" cy="4924938"/>
+          <a:ext cx="3903137" cy="4132458"/>
         </p:xfrm>
         <a:graphic>
           <a:graphicData uri="http://schemas.openxmlformats.org/drawingml/2006/table">
@@ -24949,11 +23902,7 @@
                     <a:p>
                       <a:r>
                         <a:rPr kumimoji="1" lang="en-US" altLang="ja-JP" sz="1000" baseline="0" dirty="0" smtClean="0"/>
-                        <a:t>Username </a:t>
-                      </a:r>
-                      <a:r>
-                        <a:rPr kumimoji="1" lang="en-US" altLang="ja-JP" sz="1000" baseline="0" dirty="0" smtClean="0"/>
-                        <a:t>login</a:t>
+                        <a:t>Username login</a:t>
                       </a:r>
                       <a:endParaRPr kumimoji="1" lang="ja-JP" altLang="en-US" sz="1000" dirty="0"/>
                     </a:p>
@@ -25437,11 +24386,7 @@
                     <a:p>
                       <a:r>
                         <a:rPr kumimoji="1" lang="en-US" altLang="ja-JP" sz="1000" dirty="0" smtClean="0"/>
-                        <a:t>S</a:t>
-                      </a:r>
-                      <a:r>
-                        <a:rPr kumimoji="1" lang="en-US" altLang="ja-JP" sz="1000" dirty="0" smtClean="0"/>
-                        <a:t>-4-2</a:t>
+                        <a:t>S-4-2</a:t>
                       </a:r>
                       <a:endParaRPr kumimoji="1" lang="ja-JP" altLang="en-US" sz="1000" dirty="0"/>
                     </a:p>
@@ -25483,7 +24428,7 @@
                     <a:bodyPr/>
                     <a:lstStyle/>
                     <a:p>
-                      <a:endParaRPr kumimoji="1" lang="ja-JP" altLang="en-US" sz="1000"/>
+                      <a:endParaRPr kumimoji="1" lang="ja-JP" altLang="en-US" sz="1000" dirty="0"/>
                     </a:p>
                   </a:txBody>
                   <a:tcPr/>
@@ -25530,11 +24475,7 @@
                     <a:p>
                       <a:r>
                         <a:rPr kumimoji="1" lang="en-US" altLang="ja-JP" sz="1000" dirty="0" smtClean="0"/>
-                        <a:t>S</a:t>
-                      </a:r>
-                      <a:r>
-                        <a:rPr kumimoji="1" lang="en-US" altLang="ja-JP" sz="1000" dirty="0" smtClean="0"/>
-                        <a:t>-4-3</a:t>
+                        <a:t>S-4-3</a:t>
                       </a:r>
                       <a:endParaRPr kumimoji="1" lang="ja-JP" altLang="en-US" sz="1000" dirty="0"/>
                     </a:p>
@@ -25580,7 +24521,7 @@
                     <a:bodyPr/>
                     <a:lstStyle/>
                     <a:p>
-                      <a:endParaRPr kumimoji="1" lang="ja-JP" altLang="en-US" sz="1000"/>
+                      <a:endParaRPr kumimoji="1" lang="ja-JP" altLang="en-US" sz="1000" dirty="0"/>
                     </a:p>
                   </a:txBody>
                   <a:tcPr/>
@@ -25627,196 +24568,7 @@
                     <a:p>
                       <a:r>
                         <a:rPr kumimoji="1" lang="en-US" altLang="ja-JP" sz="1000" dirty="0" smtClean="0"/>
-                        <a:t>S</a:t>
-                      </a:r>
-                      <a:r>
-                        <a:rPr kumimoji="1" lang="en-US" altLang="ja-JP" sz="1000" dirty="0" smtClean="0"/>
-                        <a:t>-4-4</a:t>
-                      </a:r>
-                      <a:endParaRPr kumimoji="1" lang="ja-JP" altLang="en-US" sz="1000" dirty="0"/>
-                    </a:p>
-                  </a:txBody>
-                  <a:tcPr/>
-                </a:tc>
-              </a:tr>
-              <a:tr h="327082">
-                <a:tc>
-                  <a:txBody>
-                    <a:bodyPr/>
-                    <a:lstStyle/>
-                    <a:p>
-                      <a:r>
-                        <a:rPr kumimoji="1" lang="en-US" altLang="ja-JP" sz="1000" dirty="0" smtClean="0"/>
-                        <a:t>11</a:t>
-                      </a:r>
-                      <a:endParaRPr kumimoji="1" lang="ja-JP" altLang="en-US" sz="1000" dirty="0"/>
-                    </a:p>
-                  </a:txBody>
-                  <a:tcPr/>
-                </a:tc>
-                <a:tc>
-                  <a:txBody>
-                    <a:bodyPr/>
-                    <a:lstStyle/>
-                    <a:p>
-                      <a:r>
-                        <a:rPr kumimoji="1" lang="en-US" altLang="ja-JP" sz="1000" dirty="0" smtClean="0"/>
-                        <a:t>Button Show All </a:t>
-                      </a:r>
-                      <a:r>
-                        <a:rPr kumimoji="1" lang="en-US" altLang="ja-JP" sz="1000" dirty="0" err="1" smtClean="0"/>
-                        <a:t>Comemnts</a:t>
-                      </a:r>
-                      <a:endParaRPr kumimoji="1" lang="ja-JP" altLang="en-US" sz="1000" dirty="0"/>
-                    </a:p>
-                  </a:txBody>
-                  <a:tcPr/>
-                </a:tc>
-                <a:tc>
-                  <a:txBody>
-                    <a:bodyPr/>
-                    <a:lstStyle/>
-                    <a:p>
-                      <a:endParaRPr kumimoji="1" lang="ja-JP" altLang="en-US" sz="1000"/>
-                    </a:p>
-                  </a:txBody>
-                  <a:tcPr/>
-                </a:tc>
-                <a:tc>
-                  <a:txBody>
-                    <a:bodyPr/>
-                    <a:lstStyle/>
-                    <a:p>
-                      <a:pPr marL="0" marR="0" indent="0" algn="l" defTabSz="457200" rtl="0" eaLnBrk="1" fontAlgn="auto" latinLnBrk="0" hangingPunct="1">
-                        <a:lnSpc>
-                          <a:spcPct val="100000"/>
-                        </a:lnSpc>
-                        <a:spcBef>
-                          <a:spcPts val="0"/>
-                        </a:spcBef>
-                        <a:spcAft>
-                          <a:spcPts val="0"/>
-                        </a:spcAft>
-                        <a:buClrTx/>
-                        <a:buSzTx/>
-                        <a:buFontTx/>
-                        <a:buNone/>
-                        <a:tabLst/>
-                        <a:defRPr/>
-                      </a:pPr>
-                      <a:r>
-                        <a:rPr kumimoji="1" lang="en-US" altLang="ja-JP" sz="1000" dirty="0" smtClean="0"/>
-                        <a:t>Click</a:t>
-                      </a:r>
-                      <a:r>
-                        <a:rPr kumimoji="1" lang="en-US" altLang="ja-JP" sz="1000" baseline="0" dirty="0" smtClean="0"/>
-                        <a:t> =&gt; page show all comments of user</a:t>
-                      </a:r>
-                      <a:endParaRPr kumimoji="1" lang="ja-JP" altLang="en-US" sz="1000" dirty="0" smtClean="0"/>
-                    </a:p>
-                  </a:txBody>
-                  <a:tcPr/>
-                </a:tc>
-                <a:tc>
-                  <a:txBody>
-                    <a:bodyPr/>
-                    <a:lstStyle/>
-                    <a:p>
-                      <a:r>
-                        <a:rPr kumimoji="1" lang="en-US" altLang="ja-JP" sz="1000" dirty="0" smtClean="0"/>
-                        <a:t>S</a:t>
-                      </a:r>
-                      <a:r>
-                        <a:rPr kumimoji="1" lang="en-US" altLang="ja-JP" sz="1000" dirty="0" smtClean="0"/>
-                        <a:t>-4-5</a:t>
-                      </a:r>
-                      <a:endParaRPr kumimoji="1" lang="ja-JP" altLang="en-US" sz="1000" dirty="0"/>
-                    </a:p>
-                  </a:txBody>
-                  <a:tcPr/>
-                </a:tc>
-              </a:tr>
-              <a:tr h="327082">
-                <a:tc>
-                  <a:txBody>
-                    <a:bodyPr/>
-                    <a:lstStyle/>
-                    <a:p>
-                      <a:r>
-                        <a:rPr kumimoji="1" lang="en-US" altLang="ja-JP" sz="1000" dirty="0" smtClean="0"/>
-                        <a:t>12</a:t>
-                      </a:r>
-                      <a:endParaRPr kumimoji="1" lang="ja-JP" altLang="en-US" sz="1000" dirty="0"/>
-                    </a:p>
-                  </a:txBody>
-                  <a:tcPr/>
-                </a:tc>
-                <a:tc>
-                  <a:txBody>
-                    <a:bodyPr/>
-                    <a:lstStyle/>
-                    <a:p>
-                      <a:r>
-                        <a:rPr kumimoji="1" lang="en-US" altLang="ja-JP" sz="1000" dirty="0" smtClean="0"/>
-                        <a:t>Button Show All Posts </a:t>
-                      </a:r>
-                      <a:r>
-                        <a:rPr kumimoji="1" lang="en-US" altLang="ja-JP" sz="1000" dirty="0" err="1" smtClean="0"/>
-                        <a:t>Deactive</a:t>
-                      </a:r>
-                      <a:endParaRPr kumimoji="1" lang="ja-JP" altLang="en-US" sz="1000" dirty="0"/>
-                    </a:p>
-                  </a:txBody>
-                  <a:tcPr/>
-                </a:tc>
-                <a:tc>
-                  <a:txBody>
-                    <a:bodyPr/>
-                    <a:lstStyle/>
-                    <a:p>
-                      <a:endParaRPr kumimoji="1" lang="ja-JP" altLang="en-US" sz="1000" dirty="0"/>
-                    </a:p>
-                  </a:txBody>
-                  <a:tcPr/>
-                </a:tc>
-                <a:tc>
-                  <a:txBody>
-                    <a:bodyPr/>
-                    <a:lstStyle/>
-                    <a:p>
-                      <a:r>
-                        <a:rPr kumimoji="1" lang="en-US" altLang="ja-JP" sz="1000" dirty="0" smtClean="0"/>
-                        <a:t>Click=&gt; page</a:t>
-                      </a:r>
-                      <a:r>
-                        <a:rPr kumimoji="1" lang="en-US" altLang="ja-JP" sz="1000" baseline="0" dirty="0" smtClean="0"/>
-                        <a:t> s</a:t>
-                      </a:r>
-                      <a:r>
-                        <a:rPr kumimoji="1" lang="en-US" altLang="ja-JP" sz="1000" dirty="0" smtClean="0"/>
-                        <a:t>how all posts </a:t>
-                      </a:r>
-                      <a:r>
-                        <a:rPr kumimoji="1" lang="en-US" altLang="ja-JP" sz="1000" dirty="0" err="1" smtClean="0"/>
-                        <a:t>deactive</a:t>
-                      </a:r>
-                      <a:endParaRPr kumimoji="1" lang="ja-JP" altLang="en-US" sz="1000" dirty="0"/>
-                    </a:p>
-                  </a:txBody>
-                  <a:tcPr/>
-                </a:tc>
-                <a:tc>
-                  <a:txBody>
-                    <a:bodyPr/>
-                    <a:lstStyle/>
-                    <a:p>
-                      <a:r>
-                        <a:rPr kumimoji="1" lang="en-US" altLang="ja-JP" sz="1000" dirty="0" smtClean="0"/>
-                        <a:t>S</a:t>
-                      </a:r>
-                      <a:r>
-                        <a:rPr kumimoji="1" lang="en-US" altLang="ja-JP" sz="1000" dirty="0" smtClean="0"/>
-                        <a:t>-4-6</a:t>
+                        <a:t>S-4-4</a:t>
                       </a:r>
                       <a:endParaRPr kumimoji="1" lang="ja-JP" altLang="en-US" sz="1000" dirty="0"/>
                     </a:p>
@@ -26000,7 +24752,7 @@
                   <a:srgbClr val="FF0000"/>
                 </a:solidFill>
               </a:rPr>
-              <a:t>13)</a:t>
+              <a:t>10)</a:t>
             </a:r>
             <a:endParaRPr kumimoji="1" lang="ja-JP" altLang="en-US" sz="1000" dirty="0">
               <a:solidFill>
@@ -26743,250 +25495,6 @@
                 </a:solidFill>
               </a:rPr>
               <a:t>(8)</a:t>
-            </a:r>
-            <a:endParaRPr kumimoji="1" lang="ja-JP" altLang="en-US" sz="1000" dirty="0">
-              <a:solidFill>
-                <a:srgbClr val="FF0000"/>
-              </a:solidFill>
-            </a:endParaRPr>
-          </a:p>
-        </p:txBody>
-      </p:sp>
-      <p:sp>
-        <p:nvSpPr>
-          <p:cNvPr id="77" name="Rectangle 76"/>
-          <p:cNvSpPr/>
-          <p:nvPr/>
-        </p:nvSpPr>
-        <p:spPr>
-          <a:xfrm rot="10800000" flipV="1">
-            <a:off x="584025" y="2001276"/>
-            <a:ext cx="1249402" cy="313399"/>
-          </a:xfrm>
-          <a:prstGeom prst="rect">
-            <a:avLst/>
-          </a:prstGeom>
-        </p:spPr>
-        <p:style>
-          <a:lnRef idx="1">
-            <a:schemeClr val="accent1"/>
-          </a:lnRef>
-          <a:fillRef idx="3">
-            <a:schemeClr val="accent1"/>
-          </a:fillRef>
-          <a:effectRef idx="2">
-            <a:schemeClr val="accent1"/>
-          </a:effectRef>
-          <a:fontRef idx="minor">
-            <a:schemeClr val="lt1"/>
-          </a:fontRef>
-        </p:style>
-        <p:txBody>
-          <a:bodyPr rtlCol="0" anchor="ctr"/>
-          <a:lstStyle/>
-          <a:p>
-            <a:pPr algn="ctr"/>
-            <a:r>
-              <a:rPr lang="en-US" sz="1000" dirty="0" smtClean="0"/>
-              <a:t>Show All posts</a:t>
-            </a:r>
-            <a:endParaRPr lang="en-US" sz="1000" dirty="0"/>
-          </a:p>
-        </p:txBody>
-      </p:sp>
-      <p:sp>
-        <p:nvSpPr>
-          <p:cNvPr id="82" name="TextBox 81"/>
-          <p:cNvSpPr txBox="1"/>
-          <p:nvPr/>
-        </p:nvSpPr>
-        <p:spPr>
-          <a:xfrm>
-            <a:off x="765787" y="2349997"/>
-            <a:ext cx="392430" cy="246221"/>
-          </a:xfrm>
-          <a:prstGeom prst="rect">
-            <a:avLst/>
-          </a:prstGeom>
-          <a:noFill/>
-        </p:spPr>
-        <p:txBody>
-          <a:bodyPr wrap="none" rtlCol="0">
-            <a:spAutoFit/>
-          </a:bodyPr>
-          <a:lstStyle/>
-          <a:p>
-            <a:r>
-              <a:rPr kumimoji="1" lang="en-US" altLang="ja-JP" sz="1000" dirty="0" smtClean="0">
-                <a:solidFill>
-                  <a:srgbClr val="FF0000"/>
-                </a:solidFill>
-              </a:rPr>
-              <a:t>(10)</a:t>
-            </a:r>
-            <a:endParaRPr kumimoji="1" lang="ja-JP" altLang="en-US" sz="1000" dirty="0">
-              <a:solidFill>
-                <a:srgbClr val="FF0000"/>
-              </a:solidFill>
-            </a:endParaRPr>
-          </a:p>
-        </p:txBody>
-      </p:sp>
-      <p:sp>
-        <p:nvSpPr>
-          <p:cNvPr id="83" name="Rectangle 82"/>
-          <p:cNvSpPr/>
-          <p:nvPr/>
-        </p:nvSpPr>
-        <p:spPr>
-          <a:xfrm rot="10800000" flipV="1">
-            <a:off x="1841259" y="1994261"/>
-            <a:ext cx="1344834" cy="320413"/>
-          </a:xfrm>
-          <a:prstGeom prst="rect">
-            <a:avLst/>
-          </a:prstGeom>
-        </p:spPr>
-        <p:style>
-          <a:lnRef idx="1">
-            <a:schemeClr val="accent1"/>
-          </a:lnRef>
-          <a:fillRef idx="3">
-            <a:schemeClr val="accent1"/>
-          </a:fillRef>
-          <a:effectRef idx="2">
-            <a:schemeClr val="accent1"/>
-          </a:effectRef>
-          <a:fontRef idx="minor">
-            <a:schemeClr val="lt1"/>
-          </a:fontRef>
-        </p:style>
-        <p:txBody>
-          <a:bodyPr rtlCol="0" anchor="ctr"/>
-          <a:lstStyle/>
-          <a:p>
-            <a:pPr algn="ctr"/>
-            <a:r>
-              <a:rPr lang="en-US" sz="1000" dirty="0" smtClean="0"/>
-              <a:t>Show All Comments</a:t>
-            </a:r>
-            <a:endParaRPr lang="en-US" sz="1000" dirty="0"/>
-          </a:p>
-        </p:txBody>
-      </p:sp>
-      <p:sp>
-        <p:nvSpPr>
-          <p:cNvPr id="84" name="TextBox 83"/>
-          <p:cNvSpPr txBox="1"/>
-          <p:nvPr/>
-        </p:nvSpPr>
-        <p:spPr>
-          <a:xfrm>
-            <a:off x="2389656" y="2342982"/>
-            <a:ext cx="392430" cy="246221"/>
-          </a:xfrm>
-          <a:prstGeom prst="rect">
-            <a:avLst/>
-          </a:prstGeom>
-          <a:noFill/>
-        </p:spPr>
-        <p:txBody>
-          <a:bodyPr wrap="none" rtlCol="0">
-            <a:spAutoFit/>
-          </a:bodyPr>
-          <a:lstStyle/>
-          <a:p>
-            <a:r>
-              <a:rPr kumimoji="1" lang="en-US" altLang="ja-JP" sz="1000" dirty="0" smtClean="0">
-                <a:solidFill>
-                  <a:srgbClr val="FF0000"/>
-                </a:solidFill>
-              </a:rPr>
-              <a:t>(11)</a:t>
-            </a:r>
-            <a:endParaRPr kumimoji="1" lang="ja-JP" altLang="en-US" sz="1000" dirty="0">
-              <a:solidFill>
-                <a:srgbClr val="FF0000"/>
-              </a:solidFill>
-            </a:endParaRPr>
-          </a:p>
-        </p:txBody>
-      </p:sp>
-      <p:sp>
-        <p:nvSpPr>
-          <p:cNvPr id="85" name="Rectangle 84"/>
-          <p:cNvSpPr/>
-          <p:nvPr/>
-        </p:nvSpPr>
-        <p:spPr>
-          <a:xfrm rot="10800000" flipV="1">
-            <a:off x="3186093" y="1994261"/>
-            <a:ext cx="1298700" cy="320413"/>
-          </a:xfrm>
-          <a:prstGeom prst="rect">
-            <a:avLst/>
-          </a:prstGeom>
-        </p:spPr>
-        <p:style>
-          <a:lnRef idx="1">
-            <a:schemeClr val="accent1"/>
-          </a:lnRef>
-          <a:fillRef idx="3">
-            <a:schemeClr val="accent1"/>
-          </a:fillRef>
-          <a:effectRef idx="2">
-            <a:schemeClr val="accent1"/>
-          </a:effectRef>
-          <a:fontRef idx="minor">
-            <a:schemeClr val="lt1"/>
-          </a:fontRef>
-        </p:style>
-        <p:txBody>
-          <a:bodyPr rtlCol="0" anchor="ctr"/>
-          <a:lstStyle/>
-          <a:p>
-            <a:pPr algn="ctr"/>
-            <a:r>
-              <a:rPr lang="en-US" sz="1000" dirty="0" smtClean="0"/>
-              <a:t>Show Posts </a:t>
-            </a:r>
-            <a:r>
-              <a:rPr lang="en-US" sz="1000" dirty="0" err="1" smtClean="0"/>
-              <a:t>Deactive</a:t>
-            </a:r>
-            <a:endParaRPr lang="en-US" sz="1000" dirty="0"/>
-          </a:p>
-        </p:txBody>
-      </p:sp>
-      <p:sp>
-        <p:nvSpPr>
-          <p:cNvPr id="86" name="TextBox 85"/>
-          <p:cNvSpPr txBox="1"/>
-          <p:nvPr/>
-        </p:nvSpPr>
-        <p:spPr>
-          <a:xfrm>
-            <a:off x="3623734" y="2353718"/>
-            <a:ext cx="392430" cy="246221"/>
-          </a:xfrm>
-          <a:prstGeom prst="rect">
-            <a:avLst/>
-          </a:prstGeom>
-          <a:noFill/>
-        </p:spPr>
-        <p:txBody>
-          <a:bodyPr wrap="none" rtlCol="0">
-            <a:spAutoFit/>
-          </a:bodyPr>
-          <a:lstStyle/>
-          <a:p>
-            <a:r>
-              <a:rPr kumimoji="1" lang="en-US" altLang="ja-JP" sz="1000" dirty="0" smtClean="0">
-                <a:solidFill>
-                  <a:srgbClr val="FF0000"/>
-                </a:solidFill>
-              </a:rPr>
-              <a:t>(12)</a:t>
             </a:r>
             <a:endParaRPr kumimoji="1" lang="ja-JP" altLang="en-US" sz="1000" dirty="0">
               <a:solidFill>
@@ -27475,11 +25983,7 @@
             </a:r>
             <a:r>
               <a:rPr kumimoji="1" lang="en-US" altLang="ja-JP" sz="1050" dirty="0" smtClean="0"/>
-              <a:t>/account</a:t>
-            </a:r>
-            <a:r>
-              <a:rPr kumimoji="1" lang="en-US" altLang="ja-JP" sz="1050" dirty="0" smtClean="0"/>
-              <a:t>/update</a:t>
+              <a:t>/account/update</a:t>
             </a:r>
             <a:endParaRPr kumimoji="1" lang="ja-JP" altLang="en-US" sz="1050" dirty="0"/>
           </a:p>
@@ -27494,14 +25998,14 @@
           <p:nvPr>
             <p:extLst>
               <p:ext uri="{D42A27DB-BD31-4B8C-83A1-F6EECF244321}">
-                <p14:modId xmlns:p14="http://schemas.microsoft.com/office/powerpoint/2010/main" val="2635958618"/>
+                <p14:modId xmlns:p14="http://schemas.microsoft.com/office/powerpoint/2010/main" val="3593130683"/>
               </p:ext>
             </p:extLst>
           </p:nvPr>
         </p:nvGraphicFramePr>
         <p:xfrm>
           <a:off x="5173132" y="869583"/>
-          <a:ext cx="3903137" cy="3270820"/>
+          <a:ext cx="3903137" cy="2943738"/>
         </p:xfrm>
         <a:graphic>
           <a:graphicData uri="http://schemas.openxmlformats.org/drawingml/2006/table">
@@ -27761,32 +26265,36 @@
                     <a:lstStyle/>
                     <a:p>
                       <a:r>
+                        <a:rPr kumimoji="1" lang="en-US" altLang="ja-JP" sz="1000" dirty="0" err="1" smtClean="0"/>
+                        <a:t>Firstname</a:t>
+                      </a:r>
+                      <a:endParaRPr kumimoji="1" lang="ja-JP" altLang="en-US" sz="1000" dirty="0"/>
+                    </a:p>
+                  </a:txBody>
+                  <a:tcPr/>
+                </a:tc>
+                <a:tc>
+                  <a:txBody>
+                    <a:bodyPr/>
+                    <a:lstStyle/>
+                    <a:p>
+                      <a:endParaRPr kumimoji="1" lang="ja-JP" altLang="en-US" sz="1000"/>
+                    </a:p>
+                  </a:txBody>
+                  <a:tcPr/>
+                </a:tc>
+                <a:tc>
+                  <a:txBody>
+                    <a:bodyPr/>
+                    <a:lstStyle/>
+                    <a:p>
+                      <a:r>
                         <a:rPr kumimoji="1" lang="en-US" altLang="ja-JP" sz="1000" dirty="0" smtClean="0"/>
-                        <a:t>Username</a:t>
-                      </a:r>
-                      <a:endParaRPr kumimoji="1" lang="ja-JP" altLang="en-US" sz="1000" dirty="0"/>
-                    </a:p>
-                  </a:txBody>
-                  <a:tcPr/>
-                </a:tc>
-                <a:tc>
-                  <a:txBody>
-                    <a:bodyPr/>
-                    <a:lstStyle/>
-                    <a:p>
-                      <a:endParaRPr kumimoji="1" lang="ja-JP" altLang="en-US" sz="1000"/>
-                    </a:p>
-                  </a:txBody>
-                  <a:tcPr/>
-                </a:tc>
-                <a:tc>
-                  <a:txBody>
-                    <a:bodyPr/>
-                    <a:lstStyle/>
-                    <a:p>
-                      <a:r>
-                        <a:rPr kumimoji="1" lang="en-US" altLang="ja-JP" sz="1000" dirty="0" smtClean="0"/>
-                        <a:t>Input username</a:t>
+                        <a:t>Input </a:t>
+                      </a:r>
+                      <a:r>
+                        <a:rPr kumimoji="1" lang="en-US" altLang="ja-JP" sz="1000" dirty="0" err="1" smtClean="0"/>
+                        <a:t>firstname</a:t>
                       </a:r>
                       <a:endParaRPr kumimoji="1" lang="ja-JP" altLang="en-US" sz="1000" dirty="0"/>
                     </a:p>
@@ -27828,73 +26336,6 @@
                     <a:lstStyle/>
                     <a:p>
                       <a:r>
-                        <a:rPr kumimoji="1" lang="en-US" altLang="ja-JP" sz="1000" dirty="0" smtClean="0"/>
-                        <a:t>Email</a:t>
-                      </a:r>
-                      <a:endParaRPr kumimoji="1" lang="ja-JP" altLang="en-US" sz="1000" dirty="0"/>
-                    </a:p>
-                  </a:txBody>
-                  <a:tcPr/>
-                </a:tc>
-                <a:tc>
-                  <a:txBody>
-                    <a:bodyPr/>
-                    <a:lstStyle/>
-                    <a:p>
-                      <a:endParaRPr kumimoji="1" lang="ja-JP" altLang="en-US" sz="1000"/>
-                    </a:p>
-                  </a:txBody>
-                  <a:tcPr/>
-                </a:tc>
-                <a:tc>
-                  <a:txBody>
-                    <a:bodyPr/>
-                    <a:lstStyle/>
-                    <a:p>
-                      <a:r>
-                        <a:rPr kumimoji="1" lang="en-US" altLang="ja-JP" sz="1000" dirty="0" smtClean="0"/>
-                        <a:t>Input email</a:t>
-                      </a:r>
-                      <a:endParaRPr kumimoji="1" lang="ja-JP" altLang="en-US" sz="1000" dirty="0"/>
-                    </a:p>
-                  </a:txBody>
-                  <a:tcPr/>
-                </a:tc>
-                <a:tc>
-                  <a:txBody>
-                    <a:bodyPr/>
-                    <a:lstStyle/>
-                    <a:p>
-                      <a:endParaRPr kumimoji="1" lang="ja-JP" altLang="en-US" sz="1000" dirty="0">
-                        <a:latin typeface="Calibri"/>
-                        <a:cs typeface="Calibri"/>
-                      </a:endParaRPr>
-                    </a:p>
-                  </a:txBody>
-                  <a:tcPr/>
-                </a:tc>
-              </a:tr>
-              <a:tr h="327082">
-                <a:tc>
-                  <a:txBody>
-                    <a:bodyPr/>
-                    <a:lstStyle/>
-                    <a:p>
-                      <a:r>
-                        <a:rPr kumimoji="1" lang="en-US" altLang="ja-JP" sz="1000" dirty="0" smtClean="0"/>
-                        <a:t>5</a:t>
-                      </a:r>
-                      <a:endParaRPr kumimoji="1" lang="ja-JP" altLang="en-US" sz="1000" dirty="0"/>
-                    </a:p>
-                  </a:txBody>
-                  <a:tcPr/>
-                </a:tc>
-                <a:tc>
-                  <a:txBody>
-                    <a:bodyPr/>
-                    <a:lstStyle/>
-                    <a:p>
-                      <a:r>
                         <a:rPr kumimoji="1" lang="en-US" altLang="ja-JP" sz="1000" dirty="0" err="1" smtClean="0"/>
                         <a:t>Lastname</a:t>
                       </a:r>
@@ -27953,7 +26394,7 @@
                     <a:p>
                       <a:r>
                         <a:rPr kumimoji="1" lang="en-US" altLang="ja-JP" sz="1000" dirty="0" smtClean="0"/>
-                        <a:t>6</a:t>
+                        <a:t>5</a:t>
                       </a:r>
                       <a:endParaRPr kumimoji="1" lang="ja-JP" altLang="en-US" sz="1000" dirty="0"/>
                     </a:p>
@@ -27966,8 +26407,8 @@
                     <a:lstStyle/>
                     <a:p>
                       <a:r>
-                        <a:rPr kumimoji="1" lang="en-US" altLang="ja-JP" sz="1000" dirty="0" err="1" smtClean="0"/>
-                        <a:t>Firstname</a:t>
+                        <a:rPr kumimoji="1" lang="en-US" altLang="ja-JP" sz="1000" dirty="0" smtClean="0"/>
+                        <a:t>Password</a:t>
                       </a:r>
                       <a:endParaRPr kumimoji="1" lang="ja-JP" altLang="en-US" sz="1000" dirty="0"/>
                     </a:p>
@@ -28011,8 +26452,8 @@
                         <a:t>Input </a:t>
                       </a:r>
                       <a:r>
-                        <a:rPr kumimoji="1" lang="en-US" altLang="ja-JP" sz="1000" dirty="0" err="1" smtClean="0"/>
-                        <a:t>firstname</a:t>
+                        <a:rPr kumimoji="1" lang="en-US" altLang="ja-JP" sz="1000" dirty="0" smtClean="0"/>
+                        <a:t>password</a:t>
                       </a:r>
                       <a:endParaRPr kumimoji="1" lang="ja-JP" altLang="en-US" sz="1000" dirty="0"/>
                     </a:p>
@@ -28041,7 +26482,7 @@
                     <a:p>
                       <a:r>
                         <a:rPr kumimoji="1" lang="en-US" altLang="ja-JP" sz="1000" dirty="0" smtClean="0"/>
-                        <a:t>7</a:t>
+                        <a:t>6</a:t>
                       </a:r>
                       <a:endParaRPr kumimoji="1" lang="ja-JP" altLang="en-US" sz="1000" dirty="0"/>
                     </a:p>
@@ -28098,13 +26539,7 @@
                         <a:rPr kumimoji="1" lang="en-US" altLang="ja-JP" sz="1000" dirty="0" smtClean="0">
                           <a:latin typeface="Calibri" panose="020F0502020204030204" pitchFamily="34" charset="0"/>
                         </a:rPr>
-                        <a:t>Click =&gt; </a:t>
-                      </a:r>
-                      <a:r>
-                        <a:rPr kumimoji="1" lang="en-US" altLang="ja-JP" sz="1000" dirty="0" smtClean="0">
-                          <a:latin typeface="Calibri" panose="020F0502020204030204" pitchFamily="34" charset="0"/>
-                        </a:rPr>
-                        <a:t>update</a:t>
+                        <a:t>Click =&gt; update</a:t>
                       </a:r>
                       <a:r>
                         <a:rPr kumimoji="1" lang="en-US" altLang="ja-JP" sz="1000" baseline="0" dirty="0" smtClean="0">
@@ -28138,7 +26573,7 @@
                     <a:p>
                       <a:r>
                         <a:rPr kumimoji="1" lang="en-US" altLang="ja-JP" sz="1000" dirty="0" smtClean="0"/>
-                        <a:t>8</a:t>
+                        <a:t>7</a:t>
                       </a:r>
                       <a:endParaRPr kumimoji="1" lang="ja-JP" altLang="en-US" sz="1000" dirty="0"/>
                     </a:p>
@@ -28202,7 +26637,7 @@
                     <a:p>
                       <a:r>
                         <a:rPr kumimoji="1" lang="en-US" altLang="ja-JP" sz="1000" dirty="0" smtClean="0"/>
-                        <a:t>9</a:t>
+                        <a:t>8</a:t>
                       </a:r>
                       <a:endParaRPr kumimoji="1" lang="ja-JP" altLang="en-US" sz="1000" dirty="0"/>
                     </a:p>
@@ -28362,7 +26797,7 @@
                   <a:srgbClr val="FF0000"/>
                 </a:solidFill>
               </a:rPr>
-              <a:t>(9)</a:t>
+              <a:t>(8)</a:t>
             </a:r>
             <a:endParaRPr kumimoji="1" lang="ja-JP" altLang="en-US" sz="1000" dirty="0">
               <a:solidFill>
@@ -28517,13 +26952,241 @@
       </p:sp>
       <p:sp>
         <p:nvSpPr>
-          <p:cNvPr id="50" name="Rectangle 49"/>
+          <p:cNvPr id="51" name="Rectangle 50"/>
           <p:cNvSpPr/>
           <p:nvPr/>
         </p:nvSpPr>
         <p:spPr>
           <a:xfrm>
-            <a:off x="2044722" y="3122605"/>
+            <a:off x="2410408" y="4113167"/>
+            <a:ext cx="698552" cy="209383"/>
+          </a:xfrm>
+          <a:prstGeom prst="rect">
+            <a:avLst/>
+          </a:prstGeom>
+        </p:spPr>
+        <p:style>
+          <a:lnRef idx="1">
+            <a:schemeClr val="accent1"/>
+          </a:lnRef>
+          <a:fillRef idx="3">
+            <a:schemeClr val="accent1"/>
+          </a:fillRef>
+          <a:effectRef idx="2">
+            <a:schemeClr val="accent1"/>
+          </a:effectRef>
+          <a:fontRef idx="minor">
+            <a:schemeClr val="lt1"/>
+          </a:fontRef>
+        </p:style>
+        <p:txBody>
+          <a:bodyPr rtlCol="0" anchor="ctr"/>
+          <a:lstStyle/>
+          <a:p>
+            <a:pPr algn="ctr"/>
+            <a:r>
+              <a:rPr kumimoji="1" lang="en-US" altLang="ja-JP" sz="1000" dirty="0" smtClean="0"/>
+              <a:t>Edit</a:t>
+            </a:r>
+            <a:endParaRPr kumimoji="1" lang="ja-JP" altLang="en-US" sz="1000" dirty="0"/>
+          </a:p>
+        </p:txBody>
+      </p:sp>
+      <p:sp>
+        <p:nvSpPr>
+          <p:cNvPr id="52" name="TextBox 51"/>
+          <p:cNvSpPr txBox="1"/>
+          <p:nvPr/>
+        </p:nvSpPr>
+        <p:spPr>
+          <a:xfrm>
+            <a:off x="1260648" y="2589203"/>
+            <a:ext cx="740207" cy="246221"/>
+          </a:xfrm>
+          <a:prstGeom prst="rect">
+            <a:avLst/>
+          </a:prstGeom>
+          <a:noFill/>
+        </p:spPr>
+        <p:txBody>
+          <a:bodyPr wrap="none" rtlCol="0">
+            <a:spAutoFit/>
+          </a:bodyPr>
+          <a:lstStyle/>
+          <a:p>
+            <a:r>
+              <a:rPr kumimoji="1" lang="en-US" altLang="ja-JP" sz="1000" dirty="0" err="1" smtClean="0"/>
+              <a:t>Firstname</a:t>
+            </a:r>
+            <a:r>
+              <a:rPr kumimoji="1" lang="en-US" altLang="ja-JP" sz="1000" dirty="0" smtClean="0"/>
+              <a:t>:</a:t>
+            </a:r>
+            <a:endParaRPr kumimoji="1" lang="ja-JP" altLang="en-US" sz="1000" dirty="0"/>
+          </a:p>
+        </p:txBody>
+      </p:sp>
+      <p:sp>
+        <p:nvSpPr>
+          <p:cNvPr id="55" name="TextBox 54"/>
+          <p:cNvSpPr txBox="1"/>
+          <p:nvPr/>
+        </p:nvSpPr>
+        <p:spPr>
+          <a:xfrm>
+            <a:off x="3623734" y="2623070"/>
+            <a:ext cx="327433" cy="246221"/>
+          </a:xfrm>
+          <a:prstGeom prst="rect">
+            <a:avLst/>
+          </a:prstGeom>
+          <a:noFill/>
+        </p:spPr>
+        <p:txBody>
+          <a:bodyPr wrap="none" rtlCol="0">
+            <a:spAutoFit/>
+          </a:bodyPr>
+          <a:lstStyle/>
+          <a:p>
+            <a:r>
+              <a:rPr kumimoji="1" lang="en-US" altLang="ja-JP" sz="1000" dirty="0" smtClean="0">
+                <a:solidFill>
+                  <a:srgbClr val="FF0000"/>
+                </a:solidFill>
+              </a:rPr>
+              <a:t>(3)</a:t>
+            </a:r>
+            <a:endParaRPr kumimoji="1" lang="ja-JP" altLang="en-US" sz="1000" dirty="0">
+              <a:solidFill>
+                <a:srgbClr val="FF0000"/>
+              </a:solidFill>
+            </a:endParaRPr>
+          </a:p>
+        </p:txBody>
+      </p:sp>
+      <p:sp>
+        <p:nvSpPr>
+          <p:cNvPr id="58" name="TextBox 57"/>
+          <p:cNvSpPr txBox="1"/>
+          <p:nvPr/>
+        </p:nvSpPr>
+        <p:spPr>
+          <a:xfrm>
+            <a:off x="3623734" y="2953665"/>
+            <a:ext cx="327433" cy="246221"/>
+          </a:xfrm>
+          <a:prstGeom prst="rect">
+            <a:avLst/>
+          </a:prstGeom>
+          <a:noFill/>
+        </p:spPr>
+        <p:txBody>
+          <a:bodyPr wrap="none" rtlCol="0">
+            <a:spAutoFit/>
+          </a:bodyPr>
+          <a:lstStyle/>
+          <a:p>
+            <a:r>
+              <a:rPr kumimoji="1" lang="en-US" altLang="ja-JP" sz="1000" dirty="0" smtClean="0">
+                <a:solidFill>
+                  <a:srgbClr val="FF0000"/>
+                </a:solidFill>
+              </a:rPr>
+              <a:t>(4)</a:t>
+            </a:r>
+            <a:endParaRPr kumimoji="1" lang="ja-JP" altLang="en-US" sz="1000" dirty="0">
+              <a:solidFill>
+                <a:srgbClr val="FF0000"/>
+              </a:solidFill>
+            </a:endParaRPr>
+          </a:p>
+        </p:txBody>
+      </p:sp>
+      <p:sp>
+        <p:nvSpPr>
+          <p:cNvPr id="59" name="TextBox 58"/>
+          <p:cNvSpPr txBox="1"/>
+          <p:nvPr/>
+        </p:nvSpPr>
+        <p:spPr>
+          <a:xfrm>
+            <a:off x="3594123" y="2200731"/>
+            <a:ext cx="327433" cy="246221"/>
+          </a:xfrm>
+          <a:prstGeom prst="rect">
+            <a:avLst/>
+          </a:prstGeom>
+          <a:noFill/>
+        </p:spPr>
+        <p:txBody>
+          <a:bodyPr wrap="none" rtlCol="0">
+            <a:spAutoFit/>
+          </a:bodyPr>
+          <a:lstStyle/>
+          <a:p>
+            <a:r>
+              <a:rPr kumimoji="1" lang="en-US" altLang="ja-JP" sz="1000" dirty="0" smtClean="0">
+                <a:solidFill>
+                  <a:srgbClr val="FF0000"/>
+                </a:solidFill>
+              </a:rPr>
+              <a:t>(7)</a:t>
+            </a:r>
+            <a:endParaRPr kumimoji="1" lang="ja-JP" altLang="en-US" sz="1000" dirty="0">
+              <a:solidFill>
+                <a:srgbClr val="FF0000"/>
+              </a:solidFill>
+            </a:endParaRPr>
+          </a:p>
+        </p:txBody>
+      </p:sp>
+      <p:sp>
+        <p:nvSpPr>
+          <p:cNvPr id="60" name="TextBox 59"/>
+          <p:cNvSpPr txBox="1"/>
+          <p:nvPr/>
+        </p:nvSpPr>
+        <p:spPr>
+          <a:xfrm>
+            <a:off x="2007187" y="2217061"/>
+            <a:ext cx="1020419" cy="246221"/>
+          </a:xfrm>
+          <a:prstGeom prst="rect">
+            <a:avLst/>
+          </a:prstGeom>
+          <a:noFill/>
+        </p:spPr>
+        <p:txBody>
+          <a:bodyPr wrap="none" rtlCol="0">
+            <a:spAutoFit/>
+          </a:bodyPr>
+          <a:lstStyle/>
+          <a:p>
+            <a:r>
+              <a:rPr kumimoji="1" lang="en-US" altLang="ja-JP" sz="1000" dirty="0">
+                <a:solidFill>
+                  <a:srgbClr val="FF0000"/>
+                </a:solidFill>
+              </a:rPr>
+              <a:t>(show message)</a:t>
+            </a:r>
+            <a:endParaRPr kumimoji="1" lang="ja-JP" altLang="en-US" sz="1000" dirty="0">
+              <a:solidFill>
+                <a:srgbClr val="FF0000"/>
+              </a:solidFill>
+            </a:endParaRPr>
+          </a:p>
+        </p:txBody>
+      </p:sp>
+      <p:sp>
+        <p:nvSpPr>
+          <p:cNvPr id="62" name="Rectangle 61"/>
+          <p:cNvSpPr/>
+          <p:nvPr/>
+        </p:nvSpPr>
+        <p:spPr>
+          <a:xfrm>
+            <a:off x="2044722" y="3023529"/>
             <a:ext cx="1384300" cy="192975"/>
           </a:xfrm>
           <a:prstGeom prst="rect">
@@ -28555,24 +27218,14 @@
           <a:lstStyle/>
           <a:p>
             <a:r>
-              <a:rPr kumimoji="1" lang="en-US" altLang="ja-JP" sz="800" i="1" dirty="0">
+              <a:rPr kumimoji="1" lang="en-US" altLang="ja-JP" sz="800" i="1" dirty="0" err="1" smtClean="0">
                 <a:solidFill>
                   <a:schemeClr val="bg1">
                     <a:lumMod val="75000"/>
                   </a:schemeClr>
                 </a:solidFill>
               </a:rPr>
-              <a:t>E</a:t>
-            </a:r>
-            <a:r>
-              <a:rPr kumimoji="1" lang="en-US" altLang="ja-JP" sz="800" i="1" dirty="0" smtClean="0">
-                <a:solidFill>
-                  <a:schemeClr val="bg1">
-                    <a:lumMod val="75000"/>
-                  </a:schemeClr>
-                </a:solidFill>
-              </a:rPr>
-              <a:t>mail</a:t>
+              <a:t>Lastname</a:t>
             </a:r>
             <a:endParaRPr kumimoji="1" lang="ja-JP" altLang="en-US" sz="800" i="1" dirty="0">
               <a:solidFill>
@@ -28586,56 +27239,14 @@
       </p:sp>
       <p:sp>
         <p:nvSpPr>
-          <p:cNvPr id="51" name="Rectangle 50"/>
-          <p:cNvSpPr/>
-          <p:nvPr/>
-        </p:nvSpPr>
-        <p:spPr>
-          <a:xfrm>
-            <a:off x="2410408" y="4702347"/>
-            <a:ext cx="698552" cy="209383"/>
-          </a:xfrm>
-          <a:prstGeom prst="rect">
-            <a:avLst/>
-          </a:prstGeom>
-        </p:spPr>
-        <p:style>
-          <a:lnRef idx="1">
-            <a:schemeClr val="accent1"/>
-          </a:lnRef>
-          <a:fillRef idx="3">
-            <a:schemeClr val="accent1"/>
-          </a:fillRef>
-          <a:effectRef idx="2">
-            <a:schemeClr val="accent1"/>
-          </a:effectRef>
-          <a:fontRef idx="minor">
-            <a:schemeClr val="lt1"/>
-          </a:fontRef>
-        </p:style>
-        <p:txBody>
-          <a:bodyPr rtlCol="0" anchor="ctr"/>
-          <a:lstStyle/>
-          <a:p>
-            <a:pPr algn="ctr"/>
-            <a:r>
-              <a:rPr kumimoji="1" lang="en-US" altLang="ja-JP" sz="1000" dirty="0" smtClean="0"/>
-              <a:t>Edit</a:t>
-            </a:r>
-            <a:endParaRPr kumimoji="1" lang="ja-JP" altLang="en-US" sz="1000" dirty="0"/>
-          </a:p>
-        </p:txBody>
-      </p:sp>
-      <p:sp>
-        <p:nvSpPr>
-          <p:cNvPr id="52" name="TextBox 51"/>
+          <p:cNvPr id="63" name="TextBox 62"/>
           <p:cNvSpPr txBox="1"/>
           <p:nvPr/>
         </p:nvSpPr>
         <p:spPr>
           <a:xfrm>
-            <a:off x="1260648" y="2589203"/>
-            <a:ext cx="754984" cy="246221"/>
+            <a:off x="1260648" y="3023529"/>
+            <a:ext cx="722486" cy="246221"/>
           </a:xfrm>
           <a:prstGeom prst="rect">
             <a:avLst/>
@@ -28649,8 +27260,12 @@
           <a:lstStyle/>
           <a:p>
             <a:r>
-              <a:rPr kumimoji="1" lang="en-US" altLang="ja-JP" sz="1000" dirty="0"/>
-              <a:t>Username:</a:t>
+              <a:rPr kumimoji="1" lang="en-US" altLang="ja-JP" sz="1000" dirty="0" err="1" smtClean="0"/>
+              <a:t>Lastname</a:t>
+            </a:r>
+            <a:r>
+              <a:rPr kumimoji="1" lang="en-US" altLang="ja-JP" sz="1000" dirty="0" smtClean="0"/>
+              <a:t>:</a:t>
             </a:r>
             <a:endParaRPr kumimoji="1" lang="ja-JP" altLang="en-US" sz="1000" dirty="0"/>
           </a:p>
@@ -28658,14 +27273,14 @@
       </p:sp>
       <p:sp>
         <p:nvSpPr>
-          <p:cNvPr id="54" name="TextBox 53"/>
+          <p:cNvPr id="64" name="TextBox 63"/>
           <p:cNvSpPr txBox="1"/>
           <p:nvPr/>
         </p:nvSpPr>
         <p:spPr>
           <a:xfrm>
-            <a:off x="1260648" y="3122605"/>
-            <a:ext cx="504327" cy="246221"/>
+            <a:off x="3389013" y="4076329"/>
+            <a:ext cx="327433" cy="246221"/>
           </a:xfrm>
           <a:prstGeom prst="rect">
             <a:avLst/>
@@ -28679,42 +27294,12 @@
           <a:lstStyle/>
           <a:p>
             <a:r>
-              <a:rPr kumimoji="1" lang="en-US" altLang="ja-JP" sz="1000" dirty="0" smtClean="0"/>
-              <a:t>Email:</a:t>
-            </a:r>
-            <a:endParaRPr kumimoji="1" lang="ja-JP" altLang="en-US" sz="1000" dirty="0"/>
-          </a:p>
-        </p:txBody>
-      </p:sp>
-      <p:sp>
-        <p:nvSpPr>
-          <p:cNvPr id="55" name="TextBox 54"/>
-          <p:cNvSpPr txBox="1"/>
-          <p:nvPr/>
-        </p:nvSpPr>
-        <p:spPr>
-          <a:xfrm>
-            <a:off x="3623734" y="2623070"/>
-            <a:ext cx="327433" cy="246221"/>
-          </a:xfrm>
-          <a:prstGeom prst="rect">
-            <a:avLst/>
-          </a:prstGeom>
-          <a:noFill/>
-        </p:spPr>
-        <p:txBody>
-          <a:bodyPr wrap="none" rtlCol="0">
-            <a:spAutoFit/>
-          </a:bodyPr>
-          <a:lstStyle/>
-          <a:p>
-            <a:r>
               <a:rPr kumimoji="1" lang="en-US" altLang="ja-JP" sz="1000" dirty="0" smtClean="0">
                 <a:solidFill>
                   <a:srgbClr val="FF0000"/>
                 </a:solidFill>
               </a:rPr>
-              <a:t>(3)</a:t>
+              <a:t>(6)</a:t>
             </a:r>
             <a:endParaRPr kumimoji="1" lang="ja-JP" altLang="en-US" sz="1000" dirty="0">
               <a:solidFill>
@@ -28726,13 +27311,13 @@
       </p:sp>
       <p:sp>
         <p:nvSpPr>
-          <p:cNvPr id="56" name="TextBox 55"/>
+          <p:cNvPr id="68" name="TextBox 67"/>
           <p:cNvSpPr txBox="1"/>
           <p:nvPr/>
         </p:nvSpPr>
         <p:spPr>
           <a:xfrm>
-            <a:off x="3623734" y="3078361"/>
+            <a:off x="3623734" y="3452016"/>
             <a:ext cx="327433" cy="246221"/>
           </a:xfrm>
           <a:prstGeom prst="rect">
@@ -28752,7 +27337,7 @@
                   <a:srgbClr val="FF0000"/>
                 </a:solidFill>
               </a:rPr>
-              <a:t>(4)</a:t>
+              <a:t>(5)</a:t>
             </a:r>
             <a:endParaRPr kumimoji="1" lang="ja-JP" altLang="en-US" sz="1000" dirty="0">
               <a:solidFill>
@@ -28764,127 +27349,13 @@
       </p:sp>
       <p:sp>
         <p:nvSpPr>
-          <p:cNvPr id="58" name="TextBox 57"/>
-          <p:cNvSpPr txBox="1"/>
-          <p:nvPr/>
-        </p:nvSpPr>
-        <p:spPr>
-          <a:xfrm>
-            <a:off x="3623734" y="3542845"/>
-            <a:ext cx="327433" cy="246221"/>
-          </a:xfrm>
-          <a:prstGeom prst="rect">
-            <a:avLst/>
-          </a:prstGeom>
-          <a:noFill/>
-        </p:spPr>
-        <p:txBody>
-          <a:bodyPr wrap="none" rtlCol="0">
-            <a:spAutoFit/>
-          </a:bodyPr>
-          <a:lstStyle/>
-          <a:p>
-            <a:r>
-              <a:rPr kumimoji="1" lang="en-US" altLang="ja-JP" sz="1000" dirty="0" smtClean="0">
-                <a:solidFill>
-                  <a:srgbClr val="FF0000"/>
-                </a:solidFill>
-              </a:rPr>
-              <a:t>(5)</a:t>
-            </a:r>
-            <a:endParaRPr kumimoji="1" lang="ja-JP" altLang="en-US" sz="1000" dirty="0">
-              <a:solidFill>
-                <a:srgbClr val="FF0000"/>
-              </a:solidFill>
-            </a:endParaRPr>
-          </a:p>
-        </p:txBody>
-      </p:sp>
-      <p:sp>
-        <p:nvSpPr>
-          <p:cNvPr id="59" name="TextBox 58"/>
-          <p:cNvSpPr txBox="1"/>
-          <p:nvPr/>
-        </p:nvSpPr>
-        <p:spPr>
-          <a:xfrm>
-            <a:off x="3594123" y="2200731"/>
-            <a:ext cx="327433" cy="246221"/>
-          </a:xfrm>
-          <a:prstGeom prst="rect">
-            <a:avLst/>
-          </a:prstGeom>
-          <a:noFill/>
-        </p:spPr>
-        <p:txBody>
-          <a:bodyPr wrap="none" rtlCol="0">
-            <a:spAutoFit/>
-          </a:bodyPr>
-          <a:lstStyle/>
-          <a:p>
-            <a:r>
-              <a:rPr kumimoji="1" lang="en-US" altLang="ja-JP" sz="1000" dirty="0" smtClean="0">
-                <a:solidFill>
-                  <a:srgbClr val="FF0000"/>
-                </a:solidFill>
-              </a:rPr>
-              <a:t>(8)</a:t>
-            </a:r>
-            <a:endParaRPr kumimoji="1" lang="ja-JP" altLang="en-US" sz="1000" dirty="0">
-              <a:solidFill>
-                <a:srgbClr val="FF0000"/>
-              </a:solidFill>
-            </a:endParaRPr>
-          </a:p>
-        </p:txBody>
-      </p:sp>
-      <p:sp>
-        <p:nvSpPr>
-          <p:cNvPr id="60" name="TextBox 59"/>
-          <p:cNvSpPr txBox="1"/>
-          <p:nvPr/>
-        </p:nvSpPr>
-        <p:spPr>
-          <a:xfrm>
-            <a:off x="2007187" y="2217061"/>
-            <a:ext cx="1020419" cy="246221"/>
-          </a:xfrm>
-          <a:prstGeom prst="rect">
-            <a:avLst/>
-          </a:prstGeom>
-          <a:noFill/>
-        </p:spPr>
-        <p:txBody>
-          <a:bodyPr wrap="none" rtlCol="0">
-            <a:spAutoFit/>
-          </a:bodyPr>
-          <a:lstStyle/>
-          <a:p>
-            <a:r>
-              <a:rPr kumimoji="1" lang="en-US" altLang="ja-JP" sz="1000" dirty="0">
-                <a:solidFill>
-                  <a:srgbClr val="FF0000"/>
-                </a:solidFill>
-              </a:rPr>
-              <a:t>(show message)</a:t>
-            </a:r>
-            <a:endParaRPr kumimoji="1" lang="ja-JP" altLang="en-US" sz="1000" dirty="0">
-              <a:solidFill>
-                <a:srgbClr val="FF0000"/>
-              </a:solidFill>
-            </a:endParaRPr>
-          </a:p>
-        </p:txBody>
-      </p:sp>
-      <p:sp>
-        <p:nvSpPr>
-          <p:cNvPr id="62" name="Rectangle 61"/>
+          <p:cNvPr id="69" name="Rectangle 68"/>
           <p:cNvSpPr/>
           <p:nvPr/>
         </p:nvSpPr>
         <p:spPr>
           <a:xfrm>
-            <a:off x="2044722" y="3612709"/>
+            <a:off x="2044722" y="3521880"/>
             <a:ext cx="1384300" cy="192975"/>
           </a:xfrm>
           <a:prstGeom prst="rect">
@@ -28923,7 +27394,7 @@
                   </a:schemeClr>
                 </a:solidFill>
               </a:rPr>
-              <a:t>Lastname</a:t>
+              <a:t>Firstname</a:t>
             </a:r>
             <a:endParaRPr kumimoji="1" lang="ja-JP" altLang="en-US" sz="800" i="1" dirty="0">
               <a:solidFill>
@@ -28937,14 +27408,14 @@
       </p:sp>
       <p:sp>
         <p:nvSpPr>
-          <p:cNvPr id="63" name="TextBox 62"/>
+          <p:cNvPr id="70" name="TextBox 69"/>
           <p:cNvSpPr txBox="1"/>
           <p:nvPr/>
         </p:nvSpPr>
         <p:spPr>
           <a:xfrm>
-            <a:off x="1260648" y="3612709"/>
-            <a:ext cx="722486" cy="246221"/>
+            <a:off x="1260648" y="3521880"/>
+            <a:ext cx="718353" cy="246221"/>
           </a:xfrm>
           <a:prstGeom prst="rect">
             <a:avLst/>
@@ -28958,181 +27429,8 @@
           <a:lstStyle/>
           <a:p>
             <a:r>
-              <a:rPr kumimoji="1" lang="en-US" altLang="ja-JP" sz="1000" dirty="0" err="1" smtClean="0"/>
-              <a:t>Lastname</a:t>
-            </a:r>
-            <a:r>
               <a:rPr kumimoji="1" lang="en-US" altLang="ja-JP" sz="1000" dirty="0" smtClean="0"/>
-              <a:t>:</a:t>
-            </a:r>
-            <a:endParaRPr kumimoji="1" lang="ja-JP" altLang="en-US" sz="1000" dirty="0"/>
-          </a:p>
-        </p:txBody>
-      </p:sp>
-      <p:sp>
-        <p:nvSpPr>
-          <p:cNvPr id="64" name="TextBox 63"/>
-          <p:cNvSpPr txBox="1"/>
-          <p:nvPr/>
-        </p:nvSpPr>
-        <p:spPr>
-          <a:xfrm>
-            <a:off x="3389013" y="4665509"/>
-            <a:ext cx="327433" cy="246221"/>
-          </a:xfrm>
-          <a:prstGeom prst="rect">
-            <a:avLst/>
-          </a:prstGeom>
-          <a:noFill/>
-        </p:spPr>
-        <p:txBody>
-          <a:bodyPr wrap="none" rtlCol="0">
-            <a:spAutoFit/>
-          </a:bodyPr>
-          <a:lstStyle/>
-          <a:p>
-            <a:r>
-              <a:rPr kumimoji="1" lang="en-US" altLang="ja-JP" sz="1000" dirty="0" smtClean="0">
-                <a:solidFill>
-                  <a:srgbClr val="FF0000"/>
-                </a:solidFill>
-              </a:rPr>
-              <a:t>(7)</a:t>
-            </a:r>
-            <a:endParaRPr kumimoji="1" lang="ja-JP" altLang="en-US" sz="1000" dirty="0">
-              <a:solidFill>
-                <a:srgbClr val="FF0000"/>
-              </a:solidFill>
-            </a:endParaRPr>
-          </a:p>
-        </p:txBody>
-      </p:sp>
-      <p:sp>
-        <p:nvSpPr>
-          <p:cNvPr id="68" name="TextBox 67"/>
-          <p:cNvSpPr txBox="1"/>
-          <p:nvPr/>
-        </p:nvSpPr>
-        <p:spPr>
-          <a:xfrm>
-            <a:off x="3623734" y="4041196"/>
-            <a:ext cx="327433" cy="246221"/>
-          </a:xfrm>
-          <a:prstGeom prst="rect">
-            <a:avLst/>
-          </a:prstGeom>
-          <a:noFill/>
-        </p:spPr>
-        <p:txBody>
-          <a:bodyPr wrap="none" rtlCol="0">
-            <a:spAutoFit/>
-          </a:bodyPr>
-          <a:lstStyle/>
-          <a:p>
-            <a:r>
-              <a:rPr kumimoji="1" lang="en-US" altLang="ja-JP" sz="1000" dirty="0" smtClean="0">
-                <a:solidFill>
-                  <a:srgbClr val="FF0000"/>
-                </a:solidFill>
-              </a:rPr>
-              <a:t>(6)</a:t>
-            </a:r>
-            <a:endParaRPr kumimoji="1" lang="ja-JP" altLang="en-US" sz="1000" dirty="0">
-              <a:solidFill>
-                <a:srgbClr val="FF0000"/>
-              </a:solidFill>
-            </a:endParaRPr>
-          </a:p>
-        </p:txBody>
-      </p:sp>
-      <p:sp>
-        <p:nvSpPr>
-          <p:cNvPr id="69" name="Rectangle 68"/>
-          <p:cNvSpPr/>
-          <p:nvPr/>
-        </p:nvSpPr>
-        <p:spPr>
-          <a:xfrm>
-            <a:off x="2044722" y="4111060"/>
-            <a:ext cx="1384300" cy="192975"/>
-          </a:xfrm>
-          <a:prstGeom prst="rect">
-            <a:avLst/>
-          </a:prstGeom>
-          <a:ln>
-            <a:solidFill>
-              <a:srgbClr val="4F81BD"/>
-            </a:solidFill>
-          </a:ln>
-          <a:effectLst/>
-        </p:spPr>
-        <p:style>
-          <a:lnRef idx="1">
-            <a:schemeClr val="accent1"/>
-          </a:lnRef>
-          <a:fillRef idx="3">
-            <a:schemeClr val="accent1"/>
-          </a:fillRef>
-          <a:effectRef idx="2">
-            <a:schemeClr val="accent1"/>
-          </a:effectRef>
-          <a:fontRef idx="minor">
-            <a:schemeClr val="lt1"/>
-          </a:fontRef>
-        </p:style>
-        <p:txBody>
-          <a:bodyPr rtlCol="0" anchor="ctr"/>
-          <a:lstStyle/>
-          <a:p>
-            <a:r>
-              <a:rPr kumimoji="1" lang="en-US" altLang="ja-JP" sz="800" i="1" dirty="0" err="1" smtClean="0">
-                <a:solidFill>
-                  <a:schemeClr val="bg1">
-                    <a:lumMod val="75000"/>
-                  </a:schemeClr>
-                </a:solidFill>
-              </a:rPr>
-              <a:t>Firstname</a:t>
-            </a:r>
-            <a:endParaRPr kumimoji="1" lang="ja-JP" altLang="en-US" sz="800" i="1" dirty="0">
-              <a:solidFill>
-                <a:schemeClr val="bg1">
-                  <a:lumMod val="75000"/>
-                </a:schemeClr>
-              </a:solidFill>
-            </a:endParaRPr>
-          </a:p>
-        </p:txBody>
-      </p:sp>
-      <p:sp>
-        <p:nvSpPr>
-          <p:cNvPr id="70" name="TextBox 69"/>
-          <p:cNvSpPr txBox="1"/>
-          <p:nvPr/>
-        </p:nvSpPr>
-        <p:spPr>
-          <a:xfrm>
-            <a:off x="1260648" y="4111060"/>
-            <a:ext cx="740207" cy="246221"/>
-          </a:xfrm>
-          <a:prstGeom prst="rect">
-            <a:avLst/>
-          </a:prstGeom>
-          <a:noFill/>
-        </p:spPr>
-        <p:txBody>
-          <a:bodyPr wrap="none" rtlCol="0">
-            <a:spAutoFit/>
-          </a:bodyPr>
-          <a:lstStyle/>
-          <a:p>
-            <a:r>
-              <a:rPr kumimoji="1" lang="en-US" altLang="ja-JP" sz="1000" dirty="0" err="1" smtClean="0"/>
-              <a:t>Firstname</a:t>
-            </a:r>
-            <a:r>
-              <a:rPr kumimoji="1" lang="en-US" altLang="ja-JP" sz="1000" dirty="0" smtClean="0"/>
-              <a:t>:</a:t>
+              <a:t>Password:</a:t>
             </a:r>
             <a:endParaRPr kumimoji="1" lang="ja-JP" altLang="en-US" sz="1000" dirty="0"/>
           </a:p>
@@ -29241,15 +27539,7 @@
             </a:r>
             <a:r>
               <a:rPr kumimoji="1" lang="en-US" altLang="ja-JP" dirty="0" smtClean="0"/>
-              <a:t>-</a:t>
-            </a:r>
-            <a:r>
-              <a:rPr kumimoji="1" lang="en-US" altLang="ja-JP" dirty="0" smtClean="0"/>
-              <a:t>3</a:t>
-            </a:r>
-            <a:r>
-              <a:rPr kumimoji="1" lang="en-US" altLang="ja-JP" dirty="0" smtClean="0"/>
-              <a:t> Change Password</a:t>
+              <a:t>-3 Change Password</a:t>
             </a:r>
             <a:endParaRPr kumimoji="1" lang="ja-JP" altLang="en-US" dirty="0"/>
           </a:p>
@@ -29617,15 +27907,7 @@
             </a:r>
             <a:r>
               <a:rPr kumimoji="1" lang="en-US" altLang="ja-JP" sz="1050" dirty="0" smtClean="0"/>
-              <a:t>/</a:t>
-            </a:r>
-            <a:r>
-              <a:rPr kumimoji="1" lang="en-US" altLang="ja-JP" sz="1050" dirty="0" smtClean="0"/>
-              <a:t>account</a:t>
-            </a:r>
-            <a:r>
-              <a:rPr kumimoji="1" lang="en-US" altLang="ja-JP" sz="1050" dirty="0" smtClean="0"/>
-              <a:t>/</a:t>
+              <a:t>/account/</a:t>
             </a:r>
             <a:r>
               <a:rPr kumimoji="1" lang="en-US" altLang="ja-JP" sz="1050" dirty="0" err="1" smtClean="0"/>
